--- a/OfficeAddin/02 Building Add-ins for Microsoft Excel/02 Worksheets and Add-in Commands in Excel Add-ins.pptx
+++ b/OfficeAddin/02 Building Add-ins for Microsoft Excel/02 Worksheets and Add-in Commands in Excel Add-ins.pptx
@@ -265,7 +265,7 @@
               <a:rPr lang="en-US" smtClean="0">
                 <a:latin typeface="Segoe UI" pitchFamily="34" charset="0"/>
               </a:rPr>
-              <a:t>6/8/18 1:52 PM</a:t>
+              <a:t>9/17/18 3:42 PM</a:t>
             </a:fld>
             <a:endParaRPr lang="en-US" dirty="0">
               <a:latin typeface="Segoe UI" pitchFamily="34" charset="0"/>
@@ -559,7 +559,7 @@
           <a:p>
             <a:fld id="{D18B56EA-E28F-4F92-9F16-7A6F2501B303}" type="datetime8">
               <a:rPr lang="en-US" smtClean="0"/>
-              <a:t>6/8/18 1:52 PM</a:t>
+              <a:t>9/17/18 3:42 PM</a:t>
             </a:fld>
             <a:endParaRPr lang="en-US" dirty="0"/>
           </a:p>
@@ -1047,7 +1047,7 @@
                 <a:tabLst/>
                 <a:defRPr/>
               </a:pPr>
-              <a:t>6/8/18 1:52 PM</a:t>
+              <a:t>9/17/18 3:42 PM</a:t>
             </a:fld>
             <a:endParaRPr kumimoji="0" lang="en-US" sz="1200" b="0" i="0" u="none" strike="noStrike" kern="1200" cap="none" spc="0" normalizeH="0" baseline="0" noProof="0" dirty="0">
               <a:ln>
@@ -1653,29 +1653,8 @@
                 <a:ea typeface="+mn-ea"/>
                 <a:cs typeface="+mn-cs"/>
               </a:rPr>
-              <a:t>Click this button a few more times to show how it locks/unlocks the </a:t>
-            </a:r>
-            <a:r>
-              <a:rPr lang="en-US" sz="900" b="0" kern="1200" baseline="0">
-                <a:solidFill>
-                  <a:schemeClr val="tx1"/>
-                </a:solidFill>
-                <a:effectLst/>
-                <a:latin typeface="Segoe UI Light" pitchFamily="34" charset="0"/>
-                <a:ea typeface="+mn-ea"/>
-                <a:cs typeface="+mn-cs"/>
-              </a:rPr>
-              <a:t>worksheet from the add-in command</a:t>
-            </a:r>
-            <a:endParaRPr lang="en-US" sz="900" b="0" kern="1200" baseline="0" dirty="0">
-              <a:solidFill>
-                <a:schemeClr val="tx1"/>
-              </a:solidFill>
-              <a:effectLst/>
-              <a:latin typeface="Segoe UI Light" pitchFamily="34" charset="0"/>
-              <a:ea typeface="+mn-ea"/>
-              <a:cs typeface="+mn-cs"/>
-            </a:endParaRPr>
+              <a:t>Click this button a few more times to show how it locks/unlocks the worksheet from the add-in command</a:t>
+            </a:r>
           </a:p>
           <a:p>
             <a:endParaRPr lang="en-US" dirty="0"/>
@@ -1772,7 +1751,7 @@
           <a:p>
             <a:fld id="{D18B56EA-E28F-4F92-9F16-7A6F2501B303}" type="datetime8">
               <a:rPr lang="en-US" smtClean="0"/>
-              <a:t>6/8/18 1:52 PM</a:t>
+              <a:t>9/17/18 3:42 PM</a:t>
             </a:fld>
             <a:endParaRPr lang="en-US" dirty="0"/>
           </a:p>
@@ -1953,7 +1932,7 @@
           <a:p>
             <a:fld id="{D18B56EA-E28F-4F92-9F16-7A6F2501B303}" type="datetime8">
               <a:rPr lang="en-US" smtClean="0"/>
-              <a:t>6/8/18 1:52 PM</a:t>
+              <a:t>9/17/18 3:42 PM</a:t>
             </a:fld>
             <a:endParaRPr lang="en-US" dirty="0"/>
           </a:p>
@@ -2134,7 +2113,7 @@
           <a:p>
             <a:fld id="{D18B56EA-E28F-4F92-9F16-7A6F2501B303}" type="datetime8">
               <a:rPr lang="en-US" smtClean="0"/>
-              <a:t>6/8/18 1:52 PM</a:t>
+              <a:t>9/17/18 3:42 PM</a:t>
             </a:fld>
             <a:endParaRPr lang="en-US" dirty="0"/>
           </a:p>
@@ -2420,7 +2399,7 @@
                 <a:tabLst/>
                 <a:defRPr/>
               </a:pPr>
-              <a:t>6/8/18 1:52 PM</a:t>
+              <a:t>9/17/18 3:42 PM</a:t>
             </a:fld>
             <a:endParaRPr kumimoji="0" lang="en-US" sz="1200" b="0" i="0" u="none" strike="noStrike" kern="1200" cap="none" spc="0" normalizeH="0" baseline="0" noProof="0" dirty="0">
               <a:ln>
@@ -3117,7 +3096,7 @@
                 <a:tabLst/>
                 <a:defRPr/>
               </a:pPr>
-              <a:t>6/8/18 1:52 PM</a:t>
+              <a:t>9/17/18 3:42 PM</a:t>
             </a:fld>
             <a:endParaRPr kumimoji="0" lang="en-US" sz="1200" b="0" i="0" u="none" strike="noStrike" kern="1200" cap="none" spc="0" normalizeH="0" baseline="0" noProof="0" dirty="0">
               <a:ln>
@@ -3413,7 +3392,7 @@
           <a:p>
             <a:fld id="{D18B56EA-E28F-4F92-9F16-7A6F2501B303}" type="datetime8">
               <a:rPr lang="en-US" smtClean="0"/>
-              <a:t>6/8/18 1:52 PM</a:t>
+              <a:t>9/17/18 3:42 PM</a:t>
             </a:fld>
             <a:endParaRPr lang="en-US" dirty="0"/>
           </a:p>
@@ -3635,7 +3614,7 @@
           <a:p>
             <a:fld id="{D18B56EA-E28F-4F92-9F16-7A6F2501B303}" type="datetime8">
               <a:rPr lang="en-US" smtClean="0"/>
-              <a:t>6/8/18 1:52 PM</a:t>
+              <a:t>9/17/18 3:42 PM</a:t>
             </a:fld>
             <a:endParaRPr lang="en-US" dirty="0"/>
           </a:p>
@@ -4228,7 +4207,7 @@
                 <a:tabLst/>
                 <a:defRPr/>
               </a:pPr>
-              <a:t>6/8/18 1:52 PM</a:t>
+              <a:t>9/17/18 3:42 PM</a:t>
             </a:fld>
             <a:endParaRPr kumimoji="0" lang="en-US" sz="1200" b="0" i="0" u="none" strike="noStrike" kern="1200" cap="none" spc="0" normalizeH="0" baseline="0" noProof="0" dirty="0">
               <a:ln>
@@ -4564,7 +4543,7 @@
           <a:p>
             <a:fld id="{D18B56EA-E28F-4F92-9F16-7A6F2501B303}" type="datetime8">
               <a:rPr lang="en-US" smtClean="0"/>
-              <a:t>6/8/18 1:52 PM</a:t>
+              <a:t>9/17/18 3:42 PM</a:t>
             </a:fld>
             <a:endParaRPr lang="en-US" dirty="0"/>
           </a:p>
@@ -4814,7 +4793,7 @@
           <a:p>
             <a:fld id="{D18B56EA-E28F-4F92-9F16-7A6F2501B303}" type="datetime8">
               <a:rPr lang="en-US" smtClean="0"/>
-              <a:t>6/8/18 1:52 PM</a:t>
+              <a:t>9/17/18 3:42 PM</a:t>
             </a:fld>
             <a:endParaRPr lang="en-US" dirty="0"/>
           </a:p>
@@ -5290,7 +5269,7 @@
           <a:p>
             <a:fld id="{D18B56EA-E28F-4F92-9F16-7A6F2501B303}" type="datetime8">
               <a:rPr lang="en-US" smtClean="0"/>
-              <a:t>6/8/18 1:52 PM</a:t>
+              <a:t>9/17/18 3:42 PM</a:t>
             </a:fld>
             <a:endParaRPr lang="en-US" dirty="0"/>
           </a:p>
@@ -16359,12 +16338,8 @@
               <a:defRPr/>
             </a:pPr>
             <a:r>
-              <a:rPr lang="en-US" sz="1800"/>
-              <a:t>Excel Add-ins </a:t>
-            </a:r>
-            <a:r>
               <a:rPr lang="en-US" sz="1800" dirty="0"/>
-              <a:t>overview</a:t>
+              <a:t>Excel Add-ins overview</a:t>
             </a:r>
           </a:p>
           <a:p>
@@ -16560,12 +16535,12 @@
               <a:buSzTx/>
             </a:pPr>
             <a:r>
-              <a:rPr lang="en-US" sz="1600" dirty="0">
+              <a:rPr lang="en-US" sz="1800" dirty="0">
                 <a:hlinkClick r:id="rId6"/>
               </a:rPr>
               <a:t>https://docs.microsoft.com/en-us/office/dev/add-ins/develop/create-addin-commands</a:t>
             </a:r>
-            <a:endParaRPr lang="en-US" sz="1600" dirty="0"/>
+            <a:endParaRPr lang="en-US" sz="1800" dirty="0"/>
           </a:p>
           <a:p>
             <a:pPr marL="342900" indent="-342900" defTabSz="914400">

--- a/OfficeAddin/02 Building Add-ins for Microsoft Excel/02 Worksheets and Add-in Commands in Excel Add-ins.pptx
+++ b/OfficeAddin/02 Building Add-ins for Microsoft Excel/02 Worksheets and Add-in Commands in Excel Add-ins.pptx
@@ -265,7 +265,7 @@
               <a:rPr lang="en-US" smtClean="0">
                 <a:latin typeface="Segoe UI" pitchFamily="34" charset="0"/>
               </a:rPr>
-              <a:t>9/17/18 3:42 PM</a:t>
+              <a:t>3/4/19 8:29 PM</a:t>
             </a:fld>
             <a:endParaRPr lang="en-US" dirty="0">
               <a:latin typeface="Segoe UI" pitchFamily="34" charset="0"/>
@@ -559,7 +559,7 @@
           <a:p>
             <a:fld id="{D18B56EA-E28F-4F92-9F16-7A6F2501B303}" type="datetime8">
               <a:rPr lang="en-US" smtClean="0"/>
-              <a:t>9/17/18 3:42 PM</a:t>
+              <a:t>3/4/19 8:29 PM</a:t>
             </a:fld>
             <a:endParaRPr lang="en-US" dirty="0"/>
           </a:p>
@@ -1047,7 +1047,7 @@
                 <a:tabLst/>
                 <a:defRPr/>
               </a:pPr>
-              <a:t>9/17/18 3:42 PM</a:t>
+              <a:t>3/4/19 8:29 PM</a:t>
             </a:fld>
             <a:endParaRPr kumimoji="0" lang="en-US" sz="1200" b="0" i="0" u="none" strike="noStrike" kern="1200" cap="none" spc="0" normalizeH="0" baseline="0" noProof="0" dirty="0">
               <a:ln>
@@ -1751,7 +1751,7 @@
           <a:p>
             <a:fld id="{D18B56EA-E28F-4F92-9F16-7A6F2501B303}" type="datetime8">
               <a:rPr lang="en-US" smtClean="0"/>
-              <a:t>9/17/18 3:42 PM</a:t>
+              <a:t>3/4/19 8:29 PM</a:t>
             </a:fld>
             <a:endParaRPr lang="en-US" dirty="0"/>
           </a:p>
@@ -1932,7 +1932,7 @@
           <a:p>
             <a:fld id="{D18B56EA-E28F-4F92-9F16-7A6F2501B303}" type="datetime8">
               <a:rPr lang="en-US" smtClean="0"/>
-              <a:t>9/17/18 3:42 PM</a:t>
+              <a:t>3/4/19 8:29 PM</a:t>
             </a:fld>
             <a:endParaRPr lang="en-US" dirty="0"/>
           </a:p>
@@ -2113,7 +2113,7 @@
           <a:p>
             <a:fld id="{D18B56EA-E28F-4F92-9F16-7A6F2501B303}" type="datetime8">
               <a:rPr lang="en-US" smtClean="0"/>
-              <a:t>9/17/18 3:42 PM</a:t>
+              <a:t>3/4/19 8:29 PM</a:t>
             </a:fld>
             <a:endParaRPr lang="en-US" dirty="0"/>
           </a:p>
@@ -2399,7 +2399,7 @@
                 <a:tabLst/>
                 <a:defRPr/>
               </a:pPr>
-              <a:t>9/17/18 3:42 PM</a:t>
+              <a:t>3/4/19 8:29 PM</a:t>
             </a:fld>
             <a:endParaRPr kumimoji="0" lang="en-US" sz="1200" b="0" i="0" u="none" strike="noStrike" kern="1200" cap="none" spc="0" normalizeH="0" baseline="0" noProof="0" dirty="0">
               <a:ln>
@@ -3096,7 +3096,7 @@
                 <a:tabLst/>
                 <a:defRPr/>
               </a:pPr>
-              <a:t>9/17/18 3:42 PM</a:t>
+              <a:t>3/4/19 8:29 PM</a:t>
             </a:fld>
             <a:endParaRPr kumimoji="0" lang="en-US" sz="1200" b="0" i="0" u="none" strike="noStrike" kern="1200" cap="none" spc="0" normalizeH="0" baseline="0" noProof="0" dirty="0">
               <a:ln>
@@ -3392,7 +3392,7 @@
           <a:p>
             <a:fld id="{D18B56EA-E28F-4F92-9F16-7A6F2501B303}" type="datetime8">
               <a:rPr lang="en-US" smtClean="0"/>
-              <a:t>9/17/18 3:42 PM</a:t>
+              <a:t>3/4/19 8:29 PM</a:t>
             </a:fld>
             <a:endParaRPr lang="en-US" dirty="0"/>
           </a:p>
@@ -3614,7 +3614,7 @@
           <a:p>
             <a:fld id="{D18B56EA-E28F-4F92-9F16-7A6F2501B303}" type="datetime8">
               <a:rPr lang="en-US" smtClean="0"/>
-              <a:t>9/17/18 3:42 PM</a:t>
+              <a:t>3/4/19 8:29 PM</a:t>
             </a:fld>
             <a:endParaRPr lang="en-US" dirty="0"/>
           </a:p>
@@ -4207,7 +4207,7 @@
                 <a:tabLst/>
                 <a:defRPr/>
               </a:pPr>
-              <a:t>9/17/18 3:42 PM</a:t>
+              <a:t>3/4/19 8:29 PM</a:t>
             </a:fld>
             <a:endParaRPr kumimoji="0" lang="en-US" sz="1200" b="0" i="0" u="none" strike="noStrike" kern="1200" cap="none" spc="0" normalizeH="0" baseline="0" noProof="0" dirty="0">
               <a:ln>
@@ -4543,7 +4543,7 @@
           <a:p>
             <a:fld id="{D18B56EA-E28F-4F92-9F16-7A6F2501B303}" type="datetime8">
               <a:rPr lang="en-US" smtClean="0"/>
-              <a:t>9/17/18 3:42 PM</a:t>
+              <a:t>3/4/19 8:29 PM</a:t>
             </a:fld>
             <a:endParaRPr lang="en-US" dirty="0"/>
           </a:p>
@@ -4793,7 +4793,7 @@
           <a:p>
             <a:fld id="{D18B56EA-E28F-4F92-9F16-7A6F2501B303}" type="datetime8">
               <a:rPr lang="en-US" smtClean="0"/>
-              <a:t>9/17/18 3:42 PM</a:t>
+              <a:t>3/4/19 8:29 PM</a:t>
             </a:fld>
             <a:endParaRPr lang="en-US" dirty="0"/>
           </a:p>
@@ -5269,7 +5269,7 @@
           <a:p>
             <a:fld id="{D18B56EA-E28F-4F92-9F16-7A6F2501B303}" type="datetime8">
               <a:rPr lang="en-US" smtClean="0"/>
-              <a:t>9/17/18 3:42 PM</a:t>
+              <a:t>3/4/19 8:29 PM</a:t>
             </a:fld>
             <a:endParaRPr lang="en-US" dirty="0"/>
           </a:p>

--- a/OfficeAddin/02 Building Add-ins for Microsoft Excel/02 Worksheets and Add-in Commands in Excel Add-ins.pptx
+++ b/OfficeAddin/02 Building Add-ins for Microsoft Excel/02 Worksheets and Add-in Commands in Excel Add-ins.pptx
@@ -265,7 +265,7 @@
               <a:rPr lang="en-US" smtClean="0">
                 <a:latin typeface="Segoe UI" pitchFamily="34" charset="0"/>
               </a:rPr>
-              <a:t>3/4/19 8:29 PM</a:t>
+              <a:t>6/5/19 4:28 PM</a:t>
             </a:fld>
             <a:endParaRPr lang="en-US" dirty="0">
               <a:latin typeface="Segoe UI" pitchFamily="34" charset="0"/>
@@ -559,7 +559,7 @@
           <a:p>
             <a:fld id="{D18B56EA-E28F-4F92-9F16-7A6F2501B303}" type="datetime8">
               <a:rPr lang="en-US" smtClean="0"/>
-              <a:t>3/4/19 8:29 PM</a:t>
+              <a:t>6/5/19 4:28 PM</a:t>
             </a:fld>
             <a:endParaRPr lang="en-US" dirty="0"/>
           </a:p>
@@ -1047,7 +1047,7 @@
                 <a:tabLst/>
                 <a:defRPr/>
               </a:pPr>
-              <a:t>3/4/19 8:29 PM</a:t>
+              <a:t>6/5/19 4:28 PM</a:t>
             </a:fld>
             <a:endParaRPr kumimoji="0" lang="en-US" sz="1200" b="0" i="0" u="none" strike="noStrike" kern="1200" cap="none" spc="0" normalizeH="0" baseline="0" noProof="0" dirty="0">
               <a:ln>
@@ -1751,7 +1751,7 @@
           <a:p>
             <a:fld id="{D18B56EA-E28F-4F92-9F16-7A6F2501B303}" type="datetime8">
               <a:rPr lang="en-US" smtClean="0"/>
-              <a:t>3/4/19 8:29 PM</a:t>
+              <a:t>6/5/19 4:28 PM</a:t>
             </a:fld>
             <a:endParaRPr lang="en-US" dirty="0"/>
           </a:p>
@@ -1932,7 +1932,7 @@
           <a:p>
             <a:fld id="{D18B56EA-E28F-4F92-9F16-7A6F2501B303}" type="datetime8">
               <a:rPr lang="en-US" smtClean="0"/>
-              <a:t>3/4/19 8:29 PM</a:t>
+              <a:t>6/5/19 4:28 PM</a:t>
             </a:fld>
             <a:endParaRPr lang="en-US" dirty="0"/>
           </a:p>
@@ -2113,7 +2113,7 @@
           <a:p>
             <a:fld id="{D18B56EA-E28F-4F92-9F16-7A6F2501B303}" type="datetime8">
               <a:rPr lang="en-US" smtClean="0"/>
-              <a:t>3/4/19 8:29 PM</a:t>
+              <a:t>6/5/19 4:28 PM</a:t>
             </a:fld>
             <a:endParaRPr lang="en-US" dirty="0"/>
           </a:p>
@@ -2399,7 +2399,7 @@
                 <a:tabLst/>
                 <a:defRPr/>
               </a:pPr>
-              <a:t>3/4/19 8:29 PM</a:t>
+              <a:t>6/5/19 4:28 PM</a:t>
             </a:fld>
             <a:endParaRPr kumimoji="0" lang="en-US" sz="1200" b="0" i="0" u="none" strike="noStrike" kern="1200" cap="none" spc="0" normalizeH="0" baseline="0" noProof="0" dirty="0">
               <a:ln>
@@ -3096,7 +3096,7 @@
                 <a:tabLst/>
                 <a:defRPr/>
               </a:pPr>
-              <a:t>3/4/19 8:29 PM</a:t>
+              <a:t>6/5/19 4:28 PM</a:t>
             </a:fld>
             <a:endParaRPr kumimoji="0" lang="en-US" sz="1200" b="0" i="0" u="none" strike="noStrike" kern="1200" cap="none" spc="0" normalizeH="0" baseline="0" noProof="0" dirty="0">
               <a:ln>
@@ -3392,7 +3392,7 @@
           <a:p>
             <a:fld id="{D18B56EA-E28F-4F92-9F16-7A6F2501B303}" type="datetime8">
               <a:rPr lang="en-US" smtClean="0"/>
-              <a:t>3/4/19 8:29 PM</a:t>
+              <a:t>6/5/19 4:28 PM</a:t>
             </a:fld>
             <a:endParaRPr lang="en-US" dirty="0"/>
           </a:p>
@@ -3614,7 +3614,7 @@
           <a:p>
             <a:fld id="{D18B56EA-E28F-4F92-9F16-7A6F2501B303}" type="datetime8">
               <a:rPr lang="en-US" smtClean="0"/>
-              <a:t>3/4/19 8:29 PM</a:t>
+              <a:t>6/5/19 4:28 PM</a:t>
             </a:fld>
             <a:endParaRPr lang="en-US" dirty="0"/>
           </a:p>
@@ -4207,7 +4207,7 @@
                 <a:tabLst/>
                 <a:defRPr/>
               </a:pPr>
-              <a:t>3/4/19 8:29 PM</a:t>
+              <a:t>6/5/19 4:28 PM</a:t>
             </a:fld>
             <a:endParaRPr kumimoji="0" lang="en-US" sz="1200" b="0" i="0" u="none" strike="noStrike" kern="1200" cap="none" spc="0" normalizeH="0" baseline="0" noProof="0" dirty="0">
               <a:ln>
@@ -4543,7 +4543,7 @@
           <a:p>
             <a:fld id="{D18B56EA-E28F-4F92-9F16-7A6F2501B303}" type="datetime8">
               <a:rPr lang="en-US" smtClean="0"/>
-              <a:t>3/4/19 8:29 PM</a:t>
+              <a:t>6/5/19 4:28 PM</a:t>
             </a:fld>
             <a:endParaRPr lang="en-US" dirty="0"/>
           </a:p>
@@ -4793,7 +4793,7 @@
           <a:p>
             <a:fld id="{D18B56EA-E28F-4F92-9F16-7A6F2501B303}" type="datetime8">
               <a:rPr lang="en-US" smtClean="0"/>
-              <a:t>3/4/19 8:29 PM</a:t>
+              <a:t>6/5/19 4:28 PM</a:t>
             </a:fld>
             <a:endParaRPr lang="en-US" dirty="0"/>
           </a:p>
@@ -5269,7 +5269,7 @@
           <a:p>
             <a:fld id="{D18B56EA-E28F-4F92-9F16-7A6F2501B303}" type="datetime8">
               <a:rPr lang="en-US" smtClean="0"/>
-              <a:t>3/4/19 8:29 PM</a:t>
+              <a:t>6/5/19 4:28 PM</a:t>
             </a:fld>
             <a:endParaRPr lang="en-US" dirty="0"/>
           </a:p>
@@ -15565,7 +15565,7 @@
       </a:lvl9pPr>
     </p:otherStyle>
   </p:txStyles>
-  <p:extLst mod="1">
+  <p:extLst>
     <p:ext uri="{27BBF7A9-308A-43DC-89C8-2F10F3537804}">
       <p15:sldGuideLst xmlns:p15="http://schemas.microsoft.com/office/powerpoint/2012/main">
         <p15:guide id="3" pos="1381" userDrawn="1">

--- a/OfficeAddin/02 Building Add-ins for Microsoft Excel/02 Worksheets and Add-in Commands in Excel Add-ins.pptx
+++ b/OfficeAddin/02 Building Add-ins for Microsoft Excel/02 Worksheets and Add-in Commands in Excel Add-ins.pptx
@@ -265,7 +265,7 @@
               <a:rPr lang="en-US" smtClean="0">
                 <a:latin typeface="Segoe UI" pitchFamily="34" charset="0"/>
               </a:rPr>
-              <a:t>6/5/19 4:28 PM</a:t>
+              <a:t>9/8/19 8:22 PM</a:t>
             </a:fld>
             <a:endParaRPr lang="en-US" dirty="0">
               <a:latin typeface="Segoe UI" pitchFamily="34" charset="0"/>
@@ -559,7 +559,7 @@
           <a:p>
             <a:fld id="{D18B56EA-E28F-4F92-9F16-7A6F2501B303}" type="datetime8">
               <a:rPr lang="en-US" smtClean="0"/>
-              <a:t>6/5/19 4:28 PM</a:t>
+              <a:t>9/8/19 8:21 PM</a:t>
             </a:fld>
             <a:endParaRPr lang="en-US" dirty="0"/>
           </a:p>
@@ -1047,7 +1047,7 @@
                 <a:tabLst/>
                 <a:defRPr/>
               </a:pPr>
-              <a:t>6/5/19 4:28 PM</a:t>
+              <a:t>9/8/19 8:21 PM</a:t>
             </a:fld>
             <a:endParaRPr kumimoji="0" lang="en-US" sz="1200" b="0" i="0" u="none" strike="noStrike" kern="1200" cap="none" spc="0" normalizeH="0" baseline="0" noProof="0" dirty="0">
               <a:ln>
@@ -1751,7 +1751,7 @@
           <a:p>
             <a:fld id="{D18B56EA-E28F-4F92-9F16-7A6F2501B303}" type="datetime8">
               <a:rPr lang="en-US" smtClean="0"/>
-              <a:t>6/5/19 4:28 PM</a:t>
+              <a:t>9/8/19 8:24 PM</a:t>
             </a:fld>
             <a:endParaRPr lang="en-US" dirty="0"/>
           </a:p>
@@ -1932,7 +1932,7 @@
           <a:p>
             <a:fld id="{D18B56EA-E28F-4F92-9F16-7A6F2501B303}" type="datetime8">
               <a:rPr lang="en-US" smtClean="0"/>
-              <a:t>6/5/19 4:28 PM</a:t>
+              <a:t>9/8/19 8:22 PM</a:t>
             </a:fld>
             <a:endParaRPr lang="en-US" dirty="0"/>
           </a:p>
@@ -2113,7 +2113,7 @@
           <a:p>
             <a:fld id="{D18B56EA-E28F-4F92-9F16-7A6F2501B303}" type="datetime8">
               <a:rPr lang="en-US" smtClean="0"/>
-              <a:t>6/5/19 4:28 PM</a:t>
+              <a:t>9/8/19 8:22 PM</a:t>
             </a:fld>
             <a:endParaRPr lang="en-US" dirty="0"/>
           </a:p>
@@ -2399,7 +2399,7 @@
                 <a:tabLst/>
                 <a:defRPr/>
               </a:pPr>
-              <a:t>6/5/19 4:28 PM</a:t>
+              <a:t>9/8/19 8:21 PM</a:t>
             </a:fld>
             <a:endParaRPr kumimoji="0" lang="en-US" sz="1200" b="0" i="0" u="none" strike="noStrike" kern="1200" cap="none" spc="0" normalizeH="0" baseline="0" noProof="0" dirty="0">
               <a:ln>
@@ -3096,7 +3096,7 @@
                 <a:tabLst/>
                 <a:defRPr/>
               </a:pPr>
-              <a:t>6/5/19 4:28 PM</a:t>
+              <a:t>9/8/19 8:21 PM</a:t>
             </a:fld>
             <a:endParaRPr kumimoji="0" lang="en-US" sz="1200" b="0" i="0" u="none" strike="noStrike" kern="1200" cap="none" spc="0" normalizeH="0" baseline="0" noProof="0" dirty="0">
               <a:ln>
@@ -3392,7 +3392,7 @@
           <a:p>
             <a:fld id="{D18B56EA-E28F-4F92-9F16-7A6F2501B303}" type="datetime8">
               <a:rPr lang="en-US" smtClean="0"/>
-              <a:t>6/5/19 4:28 PM</a:t>
+              <a:t>9/8/19 8:21 PM</a:t>
             </a:fld>
             <a:endParaRPr lang="en-US" dirty="0"/>
           </a:p>
@@ -3614,7 +3614,7 @@
           <a:p>
             <a:fld id="{D18B56EA-E28F-4F92-9F16-7A6F2501B303}" type="datetime8">
               <a:rPr lang="en-US" smtClean="0"/>
-              <a:t>6/5/19 4:28 PM</a:t>
+              <a:t>9/8/19 8:21 PM</a:t>
             </a:fld>
             <a:endParaRPr lang="en-US" dirty="0"/>
           </a:p>
@@ -4207,7 +4207,7 @@
                 <a:tabLst/>
                 <a:defRPr/>
               </a:pPr>
-              <a:t>6/5/19 4:28 PM</a:t>
+              <a:t>9/8/19 8:22 PM</a:t>
             </a:fld>
             <a:endParaRPr kumimoji="0" lang="en-US" sz="1200" b="0" i="0" u="none" strike="noStrike" kern="1200" cap="none" spc="0" normalizeH="0" baseline="0" noProof="0" dirty="0">
               <a:ln>
@@ -4543,7 +4543,7 @@
           <a:p>
             <a:fld id="{D18B56EA-E28F-4F92-9F16-7A6F2501B303}" type="datetime8">
               <a:rPr lang="en-US" smtClean="0"/>
-              <a:t>6/5/19 4:28 PM</a:t>
+              <a:t>9/8/19 8:22 PM</a:t>
             </a:fld>
             <a:endParaRPr lang="en-US" dirty="0"/>
           </a:p>
@@ -4793,7 +4793,7 @@
           <a:p>
             <a:fld id="{D18B56EA-E28F-4F92-9F16-7A6F2501B303}" type="datetime8">
               <a:rPr lang="en-US" smtClean="0"/>
-              <a:t>6/5/19 4:28 PM</a:t>
+              <a:t>9/8/19 8:22 PM</a:t>
             </a:fld>
             <a:endParaRPr lang="en-US" dirty="0"/>
           </a:p>
@@ -5269,7 +5269,7 @@
           <a:p>
             <a:fld id="{D18B56EA-E28F-4F92-9F16-7A6F2501B303}" type="datetime8">
               <a:rPr lang="en-US" smtClean="0"/>
-              <a:t>6/5/19 4:28 PM</a:t>
+              <a:t>9/8/19 8:22 PM</a:t>
             </a:fld>
             <a:endParaRPr lang="en-US" dirty="0"/>
           </a:p>
@@ -16320,7 +16320,7 @@
         <p:spPr>
           <a:xfrm>
             <a:off x="465138" y="1930734"/>
-            <a:ext cx="11533187" cy="4431983"/>
+            <a:ext cx="11533187" cy="4462760"/>
           </a:xfrm>
         </p:spPr>
         <p:txBody>
@@ -16360,6 +16360,21 @@
               <a:t>https://docs.microsoft.com/en-us/office/dev/add-ins/excel/excel-add-ins-overview</a:t>
             </a:r>
             <a:endParaRPr lang="en-US" sz="1800" dirty="0"/>
+          </a:p>
+          <a:p>
+            <a:pPr marL="342900" lvl="0" indent="-342900" defTabSz="914400">
+              <a:lnSpc>
+                <a:spcPct val="100000"/>
+              </a:lnSpc>
+              <a:spcBef>
+                <a:spcPts val="600"/>
+              </a:spcBef>
+              <a:buSzTx/>
+              <a:defRPr/>
+            </a:pPr>
+            <a:endParaRPr lang="en-US" sz="1800" dirty="0">
+              <a:latin typeface="+mj-lt"/>
+            </a:endParaRPr>
           </a:p>
           <a:p>
             <a:pPr marL="342900" marR="0" lvl="0" indent="-342900" defTabSz="914400" eaLnBrk="1" fontAlgn="auto" latinLnBrk="0" hangingPunct="1">
@@ -16379,28 +16394,6 @@
               <a:tabLst/>
               <a:defRPr/>
             </a:pPr>
-            <a:endParaRPr lang="en-US" sz="1800" dirty="0">
-              <a:latin typeface="+mj-lt"/>
-            </a:endParaRPr>
-          </a:p>
-          <a:p>
-            <a:pPr marL="342900" marR="0" lvl="0" indent="-342900" defTabSz="914400" eaLnBrk="1" fontAlgn="auto" latinLnBrk="0" hangingPunct="1">
-              <a:lnSpc>
-                <a:spcPct val="100000"/>
-              </a:lnSpc>
-              <a:spcBef>
-                <a:spcPts val="600"/>
-              </a:spcBef>
-              <a:spcAft>
-                <a:spcPts val="0"/>
-              </a:spcAft>
-              <a:buClrTx/>
-              <a:buSzTx/>
-              <a:buFont typeface="Arial" charset="0"/>
-              <a:buNone/>
-              <a:tabLst/>
-              <a:defRPr/>
-            </a:pPr>
             <a:r>
               <a:rPr lang="en-US" sz="1800" dirty="0">
                 <a:latin typeface="+mj-lt"/>
@@ -16422,7 +16415,7 @@
               <a:rPr lang="en-US" sz="1800" dirty="0">
                 <a:hlinkClick r:id="rId4"/>
               </a:rPr>
-              <a:t>https://dev.office.com/reference/add-ins/excel/worksheet</a:t>
+              <a:t>https://docs.microsoft.com/en-us/javascript/api/excel/excel.worksheet</a:t>
             </a:r>
             <a:endParaRPr lang="en-US" sz="1800" dirty="0"/>
           </a:p>
@@ -16435,7 +16428,6 @@
                 <a:spcPts val="600"/>
               </a:spcBef>
               <a:buSzTx/>
-              <a:defRPr/>
             </a:pPr>
             <a:endParaRPr lang="en-US" sz="1800" dirty="0">
               <a:latin typeface="+mj-lt"/>

--- a/OfficeAddin/02 Building Add-ins for Microsoft Excel/02 Worksheets and Add-in Commands in Excel Add-ins.pptx
+++ b/OfficeAddin/02 Building Add-ins for Microsoft Excel/02 Worksheets and Add-in Commands in Excel Add-ins.pptx
@@ -265,7 +265,7 @@
               <a:rPr lang="en-US" smtClean="0">
                 <a:latin typeface="Segoe UI" pitchFamily="34" charset="0"/>
               </a:rPr>
-              <a:t>9/8/19 8:22 PM</a:t>
+              <a:t>12/8/19 8:31 PM</a:t>
             </a:fld>
             <a:endParaRPr lang="en-US" dirty="0">
               <a:latin typeface="Segoe UI" pitchFamily="34" charset="0"/>
@@ -559,7 +559,7 @@
           <a:p>
             <a:fld id="{D18B56EA-E28F-4F92-9F16-7A6F2501B303}" type="datetime8">
               <a:rPr lang="en-US" smtClean="0"/>
-              <a:t>9/8/19 8:21 PM</a:t>
+              <a:t>12/8/19 8:31 PM</a:t>
             </a:fld>
             <a:endParaRPr lang="en-US" dirty="0"/>
           </a:p>
@@ -1047,7 +1047,7 @@
                 <a:tabLst/>
                 <a:defRPr/>
               </a:pPr>
-              <a:t>9/8/19 8:21 PM</a:t>
+              <a:t>12/8/19 8:31 PM</a:t>
             </a:fld>
             <a:endParaRPr kumimoji="0" lang="en-US" sz="1200" b="0" i="0" u="none" strike="noStrike" kern="1200" cap="none" spc="0" normalizeH="0" baseline="0" noProof="0" dirty="0">
               <a:ln>
@@ -1751,7 +1751,7 @@
           <a:p>
             <a:fld id="{D18B56EA-E28F-4F92-9F16-7A6F2501B303}" type="datetime8">
               <a:rPr lang="en-US" smtClean="0"/>
-              <a:t>9/8/19 8:24 PM</a:t>
+              <a:t>12/8/19 8:31 PM</a:t>
             </a:fld>
             <a:endParaRPr lang="en-US" dirty="0"/>
           </a:p>
@@ -1932,7 +1932,7 @@
           <a:p>
             <a:fld id="{D18B56EA-E28F-4F92-9F16-7A6F2501B303}" type="datetime8">
               <a:rPr lang="en-US" smtClean="0"/>
-              <a:t>9/8/19 8:22 PM</a:t>
+              <a:t>12/8/19 8:31 PM</a:t>
             </a:fld>
             <a:endParaRPr lang="en-US" dirty="0"/>
           </a:p>
@@ -2113,7 +2113,7 @@
           <a:p>
             <a:fld id="{D18B56EA-E28F-4F92-9F16-7A6F2501B303}" type="datetime8">
               <a:rPr lang="en-US" smtClean="0"/>
-              <a:t>9/8/19 8:22 PM</a:t>
+              <a:t>12/8/19 8:31 PM</a:t>
             </a:fld>
             <a:endParaRPr lang="en-US" dirty="0"/>
           </a:p>
@@ -2399,7 +2399,7 @@
                 <a:tabLst/>
                 <a:defRPr/>
               </a:pPr>
-              <a:t>9/8/19 8:21 PM</a:t>
+              <a:t>12/8/19 8:31 PM</a:t>
             </a:fld>
             <a:endParaRPr kumimoji="0" lang="en-US" sz="1200" b="0" i="0" u="none" strike="noStrike" kern="1200" cap="none" spc="0" normalizeH="0" baseline="0" noProof="0" dirty="0">
               <a:ln>
@@ -3096,7 +3096,7 @@
                 <a:tabLst/>
                 <a:defRPr/>
               </a:pPr>
-              <a:t>9/8/19 8:21 PM</a:t>
+              <a:t>12/8/19 8:31 PM</a:t>
             </a:fld>
             <a:endParaRPr kumimoji="0" lang="en-US" sz="1200" b="0" i="0" u="none" strike="noStrike" kern="1200" cap="none" spc="0" normalizeH="0" baseline="0" noProof="0" dirty="0">
               <a:ln>
@@ -3392,7 +3392,7 @@
           <a:p>
             <a:fld id="{D18B56EA-E28F-4F92-9F16-7A6F2501B303}" type="datetime8">
               <a:rPr lang="en-US" smtClean="0"/>
-              <a:t>9/8/19 8:21 PM</a:t>
+              <a:t>12/8/19 8:31 PM</a:t>
             </a:fld>
             <a:endParaRPr lang="en-US" dirty="0"/>
           </a:p>
@@ -3614,7 +3614,7 @@
           <a:p>
             <a:fld id="{D18B56EA-E28F-4F92-9F16-7A6F2501B303}" type="datetime8">
               <a:rPr lang="en-US" smtClean="0"/>
-              <a:t>9/8/19 8:21 PM</a:t>
+              <a:t>12/8/19 8:31 PM</a:t>
             </a:fld>
             <a:endParaRPr lang="en-US" dirty="0"/>
           </a:p>
@@ -4207,7 +4207,7 @@
                 <a:tabLst/>
                 <a:defRPr/>
               </a:pPr>
-              <a:t>9/8/19 8:22 PM</a:t>
+              <a:t>12/8/19 8:31 PM</a:t>
             </a:fld>
             <a:endParaRPr kumimoji="0" lang="en-US" sz="1200" b="0" i="0" u="none" strike="noStrike" kern="1200" cap="none" spc="0" normalizeH="0" baseline="0" noProof="0" dirty="0">
               <a:ln>
@@ -4543,7 +4543,7 @@
           <a:p>
             <a:fld id="{D18B56EA-E28F-4F92-9F16-7A6F2501B303}" type="datetime8">
               <a:rPr lang="en-US" smtClean="0"/>
-              <a:t>9/8/19 8:22 PM</a:t>
+              <a:t>12/8/19 8:31 PM</a:t>
             </a:fld>
             <a:endParaRPr lang="en-US" dirty="0"/>
           </a:p>
@@ -4793,7 +4793,7 @@
           <a:p>
             <a:fld id="{D18B56EA-E28F-4F92-9F16-7A6F2501B303}" type="datetime8">
               <a:rPr lang="en-US" smtClean="0"/>
-              <a:t>9/8/19 8:22 PM</a:t>
+              <a:t>12/8/19 8:31 PM</a:t>
             </a:fld>
             <a:endParaRPr lang="en-US" dirty="0"/>
           </a:p>
@@ -5269,7 +5269,7 @@
           <a:p>
             <a:fld id="{D18B56EA-E28F-4F92-9F16-7A6F2501B303}" type="datetime8">
               <a:rPr lang="en-US" smtClean="0"/>
-              <a:t>9/8/19 8:22 PM</a:t>
+              <a:t>12/8/19 8:31 PM</a:t>
             </a:fld>
             <a:endParaRPr lang="en-US" dirty="0"/>
           </a:p>
@@ -15752,7 +15752,7 @@
           <a:p>
             <a:r>
               <a:rPr lang="en-US" dirty="0"/>
-              <a:t>Working with Worksheets and Add-in Commands</a:t>
+              <a:t>Working with Worksheets and Add-in Commands </a:t>
             </a:r>
           </a:p>
         </p:txBody>

--- a/OfficeAddin/02 Building Add-ins for Microsoft Excel/02 Worksheets and Add-in Commands in Excel Add-ins.pptx
+++ b/OfficeAddin/02 Building Add-ins for Microsoft Excel/02 Worksheets and Add-in Commands in Excel Add-ins.pptx
@@ -265,7 +265,7 @@
               <a:rPr lang="en-US" smtClean="0">
                 <a:latin typeface="Segoe UI" pitchFamily="34" charset="0"/>
               </a:rPr>
-              <a:t>12/8/19 8:31 PM</a:t>
+              <a:t>3/3/20 8:50 PM</a:t>
             </a:fld>
             <a:endParaRPr lang="en-US" dirty="0">
               <a:latin typeface="Segoe UI" pitchFamily="34" charset="0"/>
@@ -559,7 +559,7 @@
           <a:p>
             <a:fld id="{D18B56EA-E28F-4F92-9F16-7A6F2501B303}" type="datetime8">
               <a:rPr lang="en-US" smtClean="0"/>
-              <a:t>12/8/19 8:31 PM</a:t>
+              <a:t>3/3/20 8:50 PM</a:t>
             </a:fld>
             <a:endParaRPr lang="en-US" dirty="0"/>
           </a:p>
@@ -1047,7 +1047,7 @@
                 <a:tabLst/>
                 <a:defRPr/>
               </a:pPr>
-              <a:t>12/8/19 8:31 PM</a:t>
+              <a:t>3/3/20 8:50 PM</a:t>
             </a:fld>
             <a:endParaRPr kumimoji="0" lang="en-US" sz="1200" b="0" i="0" u="none" strike="noStrike" kern="1200" cap="none" spc="0" normalizeH="0" baseline="0" noProof="0" dirty="0">
               <a:ln>
@@ -1751,7 +1751,7 @@
           <a:p>
             <a:fld id="{D18B56EA-E28F-4F92-9F16-7A6F2501B303}" type="datetime8">
               <a:rPr lang="en-US" smtClean="0"/>
-              <a:t>12/8/19 8:31 PM</a:t>
+              <a:t>3/3/20 8:50 PM</a:t>
             </a:fld>
             <a:endParaRPr lang="en-US" dirty="0"/>
           </a:p>
@@ -1932,7 +1932,7 @@
           <a:p>
             <a:fld id="{D18B56EA-E28F-4F92-9F16-7A6F2501B303}" type="datetime8">
               <a:rPr lang="en-US" smtClean="0"/>
-              <a:t>12/8/19 8:31 PM</a:t>
+              <a:t>3/3/20 8:50 PM</a:t>
             </a:fld>
             <a:endParaRPr lang="en-US" dirty="0"/>
           </a:p>
@@ -2113,7 +2113,7 @@
           <a:p>
             <a:fld id="{D18B56EA-E28F-4F92-9F16-7A6F2501B303}" type="datetime8">
               <a:rPr lang="en-US" smtClean="0"/>
-              <a:t>12/8/19 8:31 PM</a:t>
+              <a:t>3/3/20 8:50 PM</a:t>
             </a:fld>
             <a:endParaRPr lang="en-US" dirty="0"/>
           </a:p>
@@ -2399,7 +2399,7 @@
                 <a:tabLst/>
                 <a:defRPr/>
               </a:pPr>
-              <a:t>12/8/19 8:31 PM</a:t>
+              <a:t>3/3/20 8:50 PM</a:t>
             </a:fld>
             <a:endParaRPr kumimoji="0" lang="en-US" sz="1200" b="0" i="0" u="none" strike="noStrike" kern="1200" cap="none" spc="0" normalizeH="0" baseline="0" noProof="0" dirty="0">
               <a:ln>
@@ -3096,7 +3096,7 @@
                 <a:tabLst/>
                 <a:defRPr/>
               </a:pPr>
-              <a:t>12/8/19 8:31 PM</a:t>
+              <a:t>3/3/20 8:50 PM</a:t>
             </a:fld>
             <a:endParaRPr kumimoji="0" lang="en-US" sz="1200" b="0" i="0" u="none" strike="noStrike" kern="1200" cap="none" spc="0" normalizeH="0" baseline="0" noProof="0" dirty="0">
               <a:ln>
@@ -3392,7 +3392,7 @@
           <a:p>
             <a:fld id="{D18B56EA-E28F-4F92-9F16-7A6F2501B303}" type="datetime8">
               <a:rPr lang="en-US" smtClean="0"/>
-              <a:t>12/8/19 8:31 PM</a:t>
+              <a:t>3/3/20 8:50 PM</a:t>
             </a:fld>
             <a:endParaRPr lang="en-US" dirty="0"/>
           </a:p>
@@ -3614,7 +3614,7 @@
           <a:p>
             <a:fld id="{D18B56EA-E28F-4F92-9F16-7A6F2501B303}" type="datetime8">
               <a:rPr lang="en-US" smtClean="0"/>
-              <a:t>12/8/19 8:31 PM</a:t>
+              <a:t>3/3/20 8:50 PM</a:t>
             </a:fld>
             <a:endParaRPr lang="en-US" dirty="0"/>
           </a:p>
@@ -4207,7 +4207,7 @@
                 <a:tabLst/>
                 <a:defRPr/>
               </a:pPr>
-              <a:t>12/8/19 8:31 PM</a:t>
+              <a:t>3/3/20 8:50 PM</a:t>
             </a:fld>
             <a:endParaRPr kumimoji="0" lang="en-US" sz="1200" b="0" i="0" u="none" strike="noStrike" kern="1200" cap="none" spc="0" normalizeH="0" baseline="0" noProof="0" dirty="0">
               <a:ln>
@@ -4543,7 +4543,7 @@
           <a:p>
             <a:fld id="{D18B56EA-E28F-4F92-9F16-7A6F2501B303}" type="datetime8">
               <a:rPr lang="en-US" smtClean="0"/>
-              <a:t>12/8/19 8:31 PM</a:t>
+              <a:t>3/3/20 8:50 PM</a:t>
             </a:fld>
             <a:endParaRPr lang="en-US" dirty="0"/>
           </a:p>
@@ -4793,7 +4793,7 @@
           <a:p>
             <a:fld id="{D18B56EA-E28F-4F92-9F16-7A6F2501B303}" type="datetime8">
               <a:rPr lang="en-US" smtClean="0"/>
-              <a:t>12/8/19 8:31 PM</a:t>
+              <a:t>3/3/20 8:50 PM</a:t>
             </a:fld>
             <a:endParaRPr lang="en-US" dirty="0"/>
           </a:p>
@@ -5269,7 +5269,7 @@
           <a:p>
             <a:fld id="{D18B56EA-E28F-4F92-9F16-7A6F2501B303}" type="datetime8">
               <a:rPr lang="en-US" smtClean="0"/>
-              <a:t>12/8/19 8:31 PM</a:t>
+              <a:t>3/3/20 8:50 PM</a:t>
             </a:fld>
             <a:endParaRPr lang="en-US" dirty="0"/>
           </a:p>
@@ -15752,8 +15752,13 @@
           <a:p>
             <a:r>
               <a:rPr lang="en-US" dirty="0"/>
-              <a:t>Working with Worksheets and Add-in Commands </a:t>
-            </a:r>
+              <a:t>Working with Worksheets and </a:t>
+            </a:r>
+            <a:r>
+              <a:rPr lang="en-US"/>
+              <a:t>Add-in Commands  </a:t>
+            </a:r>
+            <a:endParaRPr lang="en-US" dirty="0"/>
           </a:p>
         </p:txBody>
       </p:sp>

--- a/OfficeAddin/02 Building Add-ins for Microsoft Excel/02 Worksheets and Add-in Commands in Excel Add-ins.pptx
+++ b/OfficeAddin/02 Building Add-ins for Microsoft Excel/02 Worksheets and Add-in Commands in Excel Add-ins.pptx
@@ -265,7 +265,7 @@
               <a:rPr lang="en-US" smtClean="0">
                 <a:latin typeface="Segoe UI" pitchFamily="34" charset="0"/>
               </a:rPr>
-              <a:t>3/3/20 8:50 PM</a:t>
+              <a:t>4/6/20 11:20 AM</a:t>
             </a:fld>
             <a:endParaRPr lang="en-US" dirty="0">
               <a:latin typeface="Segoe UI" pitchFamily="34" charset="0"/>
@@ -559,7 +559,7 @@
           <a:p>
             <a:fld id="{D18B56EA-E28F-4F92-9F16-7A6F2501B303}" type="datetime8">
               <a:rPr lang="en-US" smtClean="0"/>
-              <a:t>3/3/20 8:50 PM</a:t>
+              <a:t>4/6/20 11:20 AM</a:t>
             </a:fld>
             <a:endParaRPr lang="en-US" dirty="0"/>
           </a:p>
@@ -1047,7 +1047,7 @@
                 <a:tabLst/>
                 <a:defRPr/>
               </a:pPr>
-              <a:t>3/3/20 8:50 PM</a:t>
+              <a:t>4/6/20 11:20 AM</a:t>
             </a:fld>
             <a:endParaRPr kumimoji="0" lang="en-US" sz="1200" b="0" i="0" u="none" strike="noStrike" kern="1200" cap="none" spc="0" normalizeH="0" baseline="0" noProof="0" dirty="0">
               <a:ln>
@@ -1751,7 +1751,7 @@
           <a:p>
             <a:fld id="{D18B56EA-E28F-4F92-9F16-7A6F2501B303}" type="datetime8">
               <a:rPr lang="en-US" smtClean="0"/>
-              <a:t>3/3/20 8:50 PM</a:t>
+              <a:t>4/6/20 11:20 AM</a:t>
             </a:fld>
             <a:endParaRPr lang="en-US" dirty="0"/>
           </a:p>
@@ -1932,7 +1932,7 @@
           <a:p>
             <a:fld id="{D18B56EA-E28F-4F92-9F16-7A6F2501B303}" type="datetime8">
               <a:rPr lang="en-US" smtClean="0"/>
-              <a:t>3/3/20 8:50 PM</a:t>
+              <a:t>4/6/20 11:20 AM</a:t>
             </a:fld>
             <a:endParaRPr lang="en-US" dirty="0"/>
           </a:p>
@@ -2113,7 +2113,7 @@
           <a:p>
             <a:fld id="{D18B56EA-E28F-4F92-9F16-7A6F2501B303}" type="datetime8">
               <a:rPr lang="en-US" smtClean="0"/>
-              <a:t>3/3/20 8:50 PM</a:t>
+              <a:t>4/6/20 11:20 AM</a:t>
             </a:fld>
             <a:endParaRPr lang="en-US" dirty="0"/>
           </a:p>
@@ -2200,7 +2200,13 @@
           <a:bodyPr/>
           <a:lstStyle/>
           <a:p>
-            <a:endParaRPr lang="en-US"/>
+            <a:r>
+              <a:rPr lang="en-US" dirty="0"/>
+              <a:t>In this unit, you'll learn how to work with worksheets in Excel workbooks. You'll also learn how to create and use add-in commands for your custom solutions.</a:t>
+            </a:r>
+          </a:p>
+          <a:p>
+            <a:endParaRPr lang="en-US" dirty="0"/>
           </a:p>
         </p:txBody>
       </p:sp>
@@ -2399,7 +2405,7 @@
                 <a:tabLst/>
                 <a:defRPr/>
               </a:pPr>
-              <a:t>3/3/20 8:50 PM</a:t>
+              <a:t>4/6/20 11:28 AM</a:t>
             </a:fld>
             <a:endParaRPr kumimoji="0" lang="en-US" sz="1200" b="0" i="0" u="none" strike="noStrike" kern="1200" cap="none" spc="0" normalizeH="0" baseline="0" noProof="0" dirty="0">
               <a:ln>
@@ -2573,7 +2579,7 @@
                 </a:solidFill>
                 <a:latin typeface="Segoe UI Semibold"/>
               </a:rPr>
-              <a:t>Worksheets and a workbook</a:t>
+              <a:t>A workbook is the root object when working with the Excel APIs.</a:t>
             </a:r>
           </a:p>
           <a:p>
@@ -2585,14 +2591,12 @@
                 <a:spcPts val="600"/>
               </a:spcBef>
             </a:pPr>
-            <a:r>
-              <a:rPr lang="en-US" sz="900" dirty="0">
-                <a:solidFill>
-                  <a:srgbClr val="2F2F2F"/>
-                </a:solidFill>
-              </a:rPr>
-              <a:t>A workbook is the root object when working with the Excel APIs.</a:t>
-            </a:r>
+            <a:endParaRPr lang="en-US" b="1" dirty="0">
+              <a:solidFill>
+                <a:srgbClr val="D83B01"/>
+              </a:solidFill>
+              <a:latin typeface="Segoe UI Semibold"/>
+            </a:endParaRPr>
           </a:p>
           <a:p>
             <a:pPr lvl="0">
@@ -2604,12 +2608,31 @@
               </a:spcBef>
             </a:pPr>
             <a:r>
-              <a:rPr lang="en-US" sz="900" dirty="0">
-                <a:solidFill>
-                  <a:srgbClr val="2F2F2F"/>
-                </a:solidFill>
-              </a:rPr>
-              <a:t>A workbook a property of the Excel add-in context and contains a collection of worksheets.</a:t>
+              <a:rPr lang="en-US" b="1" dirty="0">
+                <a:solidFill>
+                  <a:srgbClr val="D83B01"/>
+                </a:solidFill>
+                <a:latin typeface="Segoe UI Semibold"/>
+              </a:rPr>
+              <a:t>A workbook is a property of the Excel Add-in context, `</a:t>
+            </a:r>
+            <a:r>
+              <a:rPr lang="en-US" b="1" dirty="0" err="1">
+                <a:solidFill>
+                  <a:srgbClr val="D83B01"/>
+                </a:solidFill>
+                <a:latin typeface="Segoe UI Semibold"/>
+              </a:rPr>
+              <a:t>context.workbook</a:t>
+            </a:r>
+            <a:r>
+              <a:rPr lang="en-US" b="1" dirty="0">
+                <a:solidFill>
+                  <a:srgbClr val="D83B01"/>
+                </a:solidFill>
+                <a:latin typeface="Segoe UI Semibold"/>
+              </a:rPr>
+              <a:t>`, and contains a collection of worksheets.</a:t>
             </a:r>
           </a:p>
           <a:p>
@@ -2621,30 +2644,12 @@
                 <a:spcPts val="600"/>
               </a:spcBef>
             </a:pPr>
-            <a:r>
-              <a:rPr lang="en-US" sz="900" dirty="0">
-                <a:solidFill>
-                  <a:srgbClr val="2F2F2F"/>
-                </a:solidFill>
-              </a:rPr>
-              <a:t>A worksheet contains collections for charts, tables, </a:t>
-            </a:r>
-            <a:r>
-              <a:rPr lang="en-US" sz="900" dirty="0" err="1">
-                <a:solidFill>
-                  <a:srgbClr val="2F2F2F"/>
-                </a:solidFill>
-              </a:rPr>
-              <a:t>pivotTables</a:t>
-            </a:r>
-            <a:r>
-              <a:rPr lang="en-US" sz="900" dirty="0">
-                <a:solidFill>
-                  <a:srgbClr val="2F2F2F"/>
-                </a:solidFill>
-              </a:rPr>
-              <a:t>, and more.</a:t>
-            </a:r>
+            <a:endParaRPr lang="en-US" b="1" dirty="0">
+              <a:solidFill>
+                <a:srgbClr val="D83B01"/>
+              </a:solidFill>
+              <a:latin typeface="Segoe UI Semibold"/>
+            </a:endParaRPr>
           </a:p>
           <a:p>
             <a:pPr lvl="0">
@@ -2655,21 +2660,6 @@
                 <a:spcPts val="600"/>
               </a:spcBef>
             </a:pPr>
-            <a:endParaRPr lang="en-US" sz="900" dirty="0">
-              <a:solidFill>
-                <a:srgbClr val="2F2F2F"/>
-              </a:solidFill>
-            </a:endParaRPr>
-          </a:p>
-          <a:p>
-            <a:pPr>
-              <a:lnSpc>
-                <a:spcPct val="90000"/>
-              </a:lnSpc>
-              <a:spcBef>
-                <a:spcPts val="600"/>
-              </a:spcBef>
-            </a:pPr>
             <a:r>
               <a:rPr lang="en-US" b="1" dirty="0">
                 <a:solidFill>
@@ -2677,7 +2667,25 @@
                 </a:solidFill>
                 <a:latin typeface="Segoe UI Semibold"/>
               </a:rPr>
-              <a:t>Basic worksheets operations</a:t>
+              <a:t>A worksheet contains collections for `charts`, `tables`, and `</a:t>
+            </a:r>
+            <a:r>
+              <a:rPr lang="en-US" b="1" dirty="0" err="1">
+                <a:solidFill>
+                  <a:srgbClr val="D83B01"/>
+                </a:solidFill>
+                <a:latin typeface="Segoe UI Semibold"/>
+              </a:rPr>
+              <a:t>pivotTables`</a:t>
+            </a:r>
+            <a:r>
+              <a:rPr lang="en-US" b="1" dirty="0">
+                <a:solidFill>
+                  <a:srgbClr val="D83B01"/>
+                </a:solidFill>
+                <a:latin typeface="Segoe UI Semibold"/>
+              </a:rPr>
+              <a:t> among other properties.</a:t>
             </a:r>
           </a:p>
           <a:p>
@@ -2689,14 +2697,12 @@
                 <a:spcPts val="600"/>
               </a:spcBef>
             </a:pPr>
-            <a:r>
-              <a:rPr lang="en-US" sz="900" dirty="0">
-                <a:solidFill>
-                  <a:srgbClr val="2F2F2F"/>
-                </a:solidFill>
-              </a:rPr>
-              <a:t>Interacting with worksheets is a fundamental operation of building and Excel add-in.</a:t>
-            </a:r>
+            <a:endParaRPr lang="en-US" b="1" dirty="0">
+              <a:solidFill>
+                <a:srgbClr val="D83B01"/>
+              </a:solidFill>
+              <a:latin typeface="Segoe UI Semibold"/>
+            </a:endParaRPr>
           </a:p>
           <a:p>
             <a:pPr lvl="0">
@@ -2708,12 +2714,13 @@
               </a:spcBef>
             </a:pPr>
             <a:r>
-              <a:rPr lang="en-US" sz="900" dirty="0">
-                <a:solidFill>
-                  <a:srgbClr val="2F2F2F"/>
-                </a:solidFill>
-              </a:rPr>
-              <a:t>You can iterate worksheets off the workbook object or you can select specific worksheets based on name/id or being active.</a:t>
+              <a:rPr lang="en-US" b="1" dirty="0">
+                <a:solidFill>
+                  <a:srgbClr val="D83B01"/>
+                </a:solidFill>
+                <a:latin typeface="Segoe UI Semibold"/>
+              </a:rPr>
+              <a:t>### Basic worksheets operations</a:t>
             </a:r>
           </a:p>
           <a:p>
@@ -2725,30 +2732,12 @@
                 <a:spcPts val="600"/>
               </a:spcBef>
             </a:pPr>
-            <a:r>
-              <a:rPr lang="en-US" sz="900" dirty="0">
-                <a:solidFill>
-                  <a:srgbClr val="2F2F2F"/>
-                </a:solidFill>
-              </a:rPr>
-              <a:t>You can create worksheets using the </a:t>
-            </a:r>
-            <a:r>
-              <a:rPr lang="en-US" sz="900" dirty="0" err="1">
-                <a:solidFill>
-                  <a:srgbClr val="2F2F2F"/>
-                </a:solidFill>
-              </a:rPr>
-              <a:t>workbook.worksheets.add</a:t>
-            </a:r>
-            <a:r>
-              <a:rPr lang="en-US" sz="900" dirty="0">
-                <a:solidFill>
-                  <a:srgbClr val="2F2F2F"/>
-                </a:solidFill>
-              </a:rPr>
-              <a:t>() function.</a:t>
-            </a:r>
+            <a:endParaRPr lang="en-US" b="1" dirty="0">
+              <a:solidFill>
+                <a:srgbClr val="D83B01"/>
+              </a:solidFill>
+              <a:latin typeface="Segoe UI Semibold"/>
+            </a:endParaRPr>
           </a:p>
           <a:p>
             <a:pPr lvl="0">
@@ -2759,11 +2748,15 @@
                 <a:spcPts val="600"/>
               </a:spcBef>
             </a:pPr>
-            <a:endParaRPr lang="en-US" sz="900" dirty="0">
-              <a:solidFill>
-                <a:srgbClr val="2F2F2F"/>
-              </a:solidFill>
-            </a:endParaRPr>
+            <a:r>
+              <a:rPr lang="en-US" b="1" dirty="0">
+                <a:solidFill>
+                  <a:srgbClr val="D83B01"/>
+                </a:solidFill>
+                <a:latin typeface="Segoe UI Semibold"/>
+              </a:rPr>
+              <a:t>Interacting with worksheets is a fundamental operation of building an Excel Add-in.</a:t>
+            </a:r>
           </a:p>
           <a:p>
             <a:pPr lvl="0">
@@ -2774,15 +2767,12 @@
                 <a:spcPts val="600"/>
               </a:spcBef>
             </a:pPr>
-            <a:r>
-              <a:rPr lang="en-US" b="1" dirty="0">
-                <a:solidFill>
-                  <a:srgbClr val="D83B01"/>
-                </a:solidFill>
-                <a:latin typeface="Segoe UI Semibold"/>
-              </a:rPr>
-              <a:t>Advanced worksheets operations</a:t>
-            </a:r>
+            <a:endParaRPr lang="en-US" b="1" dirty="0">
+              <a:solidFill>
+                <a:srgbClr val="D83B01"/>
+              </a:solidFill>
+              <a:latin typeface="Segoe UI Semibold"/>
+            </a:endParaRPr>
           </a:p>
           <a:p>
             <a:pPr lvl="0">
@@ -2794,76 +2784,31 @@
               </a:spcBef>
             </a:pPr>
             <a:r>
-              <a:rPr lang="en-US" sz="900" dirty="0">
-                <a:solidFill>
-                  <a:srgbClr val="2F2F2F"/>
-                </a:solidFill>
-              </a:rPr>
-              <a:t>There are a number of advanced worksheet operations, such as binding to worksheet events such as </a:t>
-            </a:r>
-            <a:r>
-              <a:rPr lang="en-US" sz="900" dirty="0" err="1">
-                <a:solidFill>
-                  <a:srgbClr val="2F2F2F"/>
-                </a:solidFill>
-              </a:rPr>
-              <a:t>onActivated</a:t>
-            </a:r>
-            <a:r>
-              <a:rPr lang="en-US" sz="900" dirty="0">
-                <a:solidFill>
-                  <a:srgbClr val="2F2F2F"/>
-                </a:solidFill>
-              </a:rPr>
-              <a:t>, </a:t>
-            </a:r>
-            <a:r>
-              <a:rPr lang="en-US" sz="900" dirty="0" err="1">
-                <a:solidFill>
-                  <a:srgbClr val="2F2F2F"/>
-                </a:solidFill>
-              </a:rPr>
-              <a:t>onAdded</a:t>
-            </a:r>
-            <a:r>
-              <a:rPr lang="en-US" sz="900" dirty="0">
-                <a:solidFill>
-                  <a:srgbClr val="2F2F2F"/>
-                </a:solidFill>
-              </a:rPr>
-              <a:t>, </a:t>
-            </a:r>
-            <a:r>
-              <a:rPr lang="en-US" sz="900" dirty="0" err="1">
-                <a:solidFill>
-                  <a:srgbClr val="2F2F2F"/>
-                </a:solidFill>
-              </a:rPr>
-              <a:t>onDeactivated</a:t>
-            </a:r>
-            <a:r>
-              <a:rPr lang="en-US" sz="900" dirty="0">
-                <a:solidFill>
-                  <a:srgbClr val="2F2F2F"/>
-                </a:solidFill>
-              </a:rPr>
-              <a:t>, and </a:t>
-            </a:r>
-            <a:r>
-              <a:rPr lang="en-US" sz="900" dirty="0" err="1">
-                <a:solidFill>
-                  <a:srgbClr val="2F2F2F"/>
-                </a:solidFill>
-              </a:rPr>
-              <a:t>onDeleted</a:t>
-            </a:r>
-            <a:r>
-              <a:rPr lang="en-US" sz="900" dirty="0">
-                <a:solidFill>
-                  <a:srgbClr val="2F2F2F"/>
-                </a:solidFill>
-              </a:rPr>
-              <a:t>.</a:t>
+              <a:rPr lang="en-US" b="1" dirty="0">
+                <a:solidFill>
+                  <a:srgbClr val="D83B01"/>
+                </a:solidFill>
+                <a:latin typeface="Segoe UI Semibold"/>
+              </a:rPr>
+              <a:t>The </a:t>
+            </a:r>
+            <a:r>
+              <a:rPr lang="en-US" b="1" dirty="0" err="1">
+                <a:solidFill>
+                  <a:srgbClr val="D83B01"/>
+                </a:solidFill>
+                <a:latin typeface="Segoe UI Semibold"/>
+              </a:rPr>
+              <a:t>Office.js</a:t>
+            </a:r>
+            <a:r>
+              <a:rPr lang="en-US" b="1" dirty="0">
+                <a:solidFill>
+                  <a:srgbClr val="D83B01"/>
+                </a:solidFill>
+                <a:latin typeface="Segoe UI Semibold"/>
+              </a:rPr>
+              <a:t> API can iterate worksheets in a workbook object or you can select specific worksheets based on the worksheet's name, ID or active status.</a:t>
             </a:r>
           </a:p>
           <a:p>
@@ -2875,14 +2820,12 @@
                 <a:spcPts val="600"/>
               </a:spcBef>
             </a:pPr>
-            <a:r>
-              <a:rPr lang="en-US" sz="900" dirty="0">
-                <a:solidFill>
-                  <a:srgbClr val="2F2F2F"/>
-                </a:solidFill>
-              </a:rPr>
-              <a:t>You can also freeze worksheet panes and protect/unprotect worksheets.</a:t>
-            </a:r>
+            <a:endParaRPr lang="en-US" b="1" dirty="0">
+              <a:solidFill>
+                <a:srgbClr val="D83B01"/>
+              </a:solidFill>
+              <a:latin typeface="Segoe UI Semibold"/>
+            </a:endParaRPr>
           </a:p>
           <a:p>
             <a:pPr lvl="0">
@@ -2893,11 +2836,219 @@
                 <a:spcPts val="600"/>
               </a:spcBef>
             </a:pPr>
-            <a:endParaRPr lang="en-US" sz="900" dirty="0">
+            <a:r>
+              <a:rPr lang="en-US" b="1" dirty="0" err="1">
+                <a:solidFill>
+                  <a:srgbClr val="D83B01"/>
+                </a:solidFill>
+                <a:latin typeface="Segoe UI Semibold"/>
+              </a:rPr>
+              <a:t>Develoeprs</a:t>
+            </a:r>
+            <a:r>
+              <a:rPr lang="en-US" b="1" dirty="0">
+                <a:solidFill>
+                  <a:srgbClr val="D83B01"/>
+                </a:solidFill>
+                <a:latin typeface="Segoe UI Semibold"/>
+              </a:rPr>
+              <a:t> can create worksheets using the `</a:t>
+            </a:r>
+            <a:r>
+              <a:rPr lang="en-US" b="1" dirty="0" err="1">
+                <a:solidFill>
+                  <a:srgbClr val="D83B01"/>
+                </a:solidFill>
+                <a:latin typeface="Segoe UI Semibold"/>
+              </a:rPr>
+              <a:t>workbook.worksheets.add</a:t>
+            </a:r>
+            <a:r>
+              <a:rPr lang="en-US" b="1" dirty="0">
+                <a:solidFill>
+                  <a:srgbClr val="D83B01"/>
+                </a:solidFill>
+                <a:latin typeface="Segoe UI Semibold"/>
+              </a:rPr>
+              <a:t>()` method.</a:t>
+            </a:r>
+          </a:p>
+          <a:p>
+            <a:pPr lvl="0">
+              <a:lnSpc>
+                <a:spcPct val="90000"/>
+              </a:lnSpc>
+              <a:spcBef>
+                <a:spcPts val="600"/>
+              </a:spcBef>
+            </a:pPr>
+            <a:endParaRPr lang="en-US" b="1" dirty="0">
               <a:solidFill>
-                <a:srgbClr val="2F2F2F"/>
+                <a:srgbClr val="D83B01"/>
               </a:solidFill>
+              <a:latin typeface="Segoe UI Semibold"/>
             </a:endParaRPr>
+          </a:p>
+          <a:p>
+            <a:pPr lvl="0">
+              <a:lnSpc>
+                <a:spcPct val="90000"/>
+              </a:lnSpc>
+              <a:spcBef>
+                <a:spcPts val="600"/>
+              </a:spcBef>
+            </a:pPr>
+            <a:r>
+              <a:rPr lang="en-US" b="1" dirty="0">
+                <a:solidFill>
+                  <a:srgbClr val="D83B01"/>
+                </a:solidFill>
+                <a:latin typeface="Segoe UI Semibold"/>
+              </a:rPr>
+              <a:t>### Advanced worksheets operations</a:t>
+            </a:r>
+          </a:p>
+          <a:p>
+            <a:pPr lvl="0">
+              <a:lnSpc>
+                <a:spcPct val="90000"/>
+              </a:lnSpc>
+              <a:spcBef>
+                <a:spcPts val="600"/>
+              </a:spcBef>
+            </a:pPr>
+            <a:endParaRPr lang="en-US" b="1" dirty="0">
+              <a:solidFill>
+                <a:srgbClr val="D83B01"/>
+              </a:solidFill>
+              <a:latin typeface="Segoe UI Semibold"/>
+            </a:endParaRPr>
+          </a:p>
+          <a:p>
+            <a:pPr lvl="0">
+              <a:lnSpc>
+                <a:spcPct val="90000"/>
+              </a:lnSpc>
+              <a:spcBef>
+                <a:spcPts val="600"/>
+              </a:spcBef>
+            </a:pPr>
+            <a:r>
+              <a:rPr lang="en-US" b="1" dirty="0">
+                <a:solidFill>
+                  <a:srgbClr val="D83B01"/>
+                </a:solidFill>
+                <a:latin typeface="Segoe UI Semibold"/>
+              </a:rPr>
+              <a:t>There are a number of advanced worksheet operations, including worksheet events for `</a:t>
+            </a:r>
+            <a:r>
+              <a:rPr lang="en-US" b="1" dirty="0" err="1">
+                <a:solidFill>
+                  <a:srgbClr val="D83B01"/>
+                </a:solidFill>
+                <a:latin typeface="Segoe UI Semibold"/>
+              </a:rPr>
+              <a:t>onActivated</a:t>
+            </a:r>
+            <a:r>
+              <a:rPr lang="en-US" b="1" dirty="0">
+                <a:solidFill>
+                  <a:srgbClr val="D83B01"/>
+                </a:solidFill>
+                <a:latin typeface="Segoe UI Semibold"/>
+              </a:rPr>
+              <a:t>`, `</a:t>
+            </a:r>
+            <a:r>
+              <a:rPr lang="en-US" b="1" dirty="0" err="1">
+                <a:solidFill>
+                  <a:srgbClr val="D83B01"/>
+                </a:solidFill>
+                <a:latin typeface="Segoe UI Semibold"/>
+              </a:rPr>
+              <a:t>onAdded</a:t>
+            </a:r>
+            <a:r>
+              <a:rPr lang="en-US" b="1" dirty="0">
+                <a:solidFill>
+                  <a:srgbClr val="D83B01"/>
+                </a:solidFill>
+                <a:latin typeface="Segoe UI Semibold"/>
+              </a:rPr>
+              <a:t>`, `</a:t>
+            </a:r>
+            <a:r>
+              <a:rPr lang="en-US" b="1" dirty="0" err="1">
+                <a:solidFill>
+                  <a:srgbClr val="D83B01"/>
+                </a:solidFill>
+                <a:latin typeface="Segoe UI Semibold"/>
+              </a:rPr>
+              <a:t>onDeactivated</a:t>
+            </a:r>
+            <a:r>
+              <a:rPr lang="en-US" b="1" dirty="0">
+                <a:solidFill>
+                  <a:srgbClr val="D83B01"/>
+                </a:solidFill>
+                <a:latin typeface="Segoe UI Semibold"/>
+              </a:rPr>
+              <a:t>`, and `</a:t>
+            </a:r>
+            <a:r>
+              <a:rPr lang="en-US" b="1" dirty="0" err="1">
+                <a:solidFill>
+                  <a:srgbClr val="D83B01"/>
+                </a:solidFill>
+                <a:latin typeface="Segoe UI Semibold"/>
+              </a:rPr>
+              <a:t>onDeleted</a:t>
+            </a:r>
+            <a:r>
+              <a:rPr lang="en-US" b="1" dirty="0">
+                <a:solidFill>
+                  <a:srgbClr val="D83B01"/>
+                </a:solidFill>
+                <a:latin typeface="Segoe UI Semibold"/>
+              </a:rPr>
+              <a:t>`.</a:t>
+            </a:r>
+          </a:p>
+          <a:p>
+            <a:pPr lvl="0">
+              <a:lnSpc>
+                <a:spcPct val="90000"/>
+              </a:lnSpc>
+              <a:spcBef>
+                <a:spcPts val="600"/>
+              </a:spcBef>
+            </a:pPr>
+            <a:endParaRPr lang="en-US" b="1" dirty="0">
+              <a:solidFill>
+                <a:srgbClr val="D83B01"/>
+              </a:solidFill>
+              <a:latin typeface="Segoe UI Semibold"/>
+            </a:endParaRPr>
+          </a:p>
+          <a:p>
+            <a:pPr lvl="0">
+              <a:lnSpc>
+                <a:spcPct val="90000"/>
+              </a:lnSpc>
+              <a:spcBef>
+                <a:spcPts val="600"/>
+              </a:spcBef>
+            </a:pPr>
+            <a:r>
+              <a:rPr lang="en-US" b="1" dirty="0">
+                <a:solidFill>
+                  <a:srgbClr val="D83B01"/>
+                </a:solidFill>
+                <a:latin typeface="Segoe UI Semibold"/>
+              </a:rPr>
+              <a:t>Developers can also freeze worksheet panes and protect or unprotect worksheets.</a:t>
+            </a:r>
           </a:p>
         </p:txBody>
       </p:sp>
@@ -3096,7 +3247,7 @@
                 <a:tabLst/>
                 <a:defRPr/>
               </a:pPr>
-              <a:t>3/3/20 8:50 PM</a:t>
+              <a:t>4/6/20 11:37 AM</a:t>
             </a:fld>
             <a:endParaRPr kumimoji="0" lang="en-US" sz="1200" b="0" i="0" u="none" strike="noStrike" kern="1200" cap="none" spc="0" normalizeH="0" baseline="0" noProof="0" dirty="0">
               <a:ln>
@@ -3392,7 +3543,7 @@
           <a:p>
             <a:fld id="{D18B56EA-E28F-4F92-9F16-7A6F2501B303}" type="datetime8">
               <a:rPr lang="en-US" smtClean="0"/>
-              <a:t>3/3/20 8:50 PM</a:t>
+              <a:t>4/6/20 11:20 AM</a:t>
             </a:fld>
             <a:endParaRPr lang="en-US" dirty="0"/>
           </a:p>
@@ -3614,7 +3765,7 @@
           <a:p>
             <a:fld id="{D18B56EA-E28F-4F92-9F16-7A6F2501B303}" type="datetime8">
               <a:rPr lang="en-US" smtClean="0"/>
-              <a:t>3/3/20 8:50 PM</a:t>
+              <a:t>4/6/20 11:20 AM</a:t>
             </a:fld>
             <a:endParaRPr lang="en-US" dirty="0"/>
           </a:p>
@@ -3716,59 +3867,7 @@
                 </a:solidFill>
                 <a:latin typeface="Segoe UI Semibold"/>
               </a:rPr>
-              <a:t>Add-in commands</a:t>
-            </a:r>
-          </a:p>
-          <a:p>
-            <a:pPr>
-              <a:lnSpc>
-                <a:spcPct val="90000"/>
-              </a:lnSpc>
-              <a:spcBef>
-                <a:spcPts val="600"/>
-              </a:spcBef>
-            </a:pPr>
-            <a:r>
-              <a:rPr lang="en-US" sz="900" dirty="0">
-                <a:solidFill>
-                  <a:srgbClr val="2F2F2F"/>
-                </a:solidFill>
-              </a:rPr>
-              <a:t>Add-in commands provide an easy way to customize the default Office user interface (UI) with specified UI elements that perform actions. </a:t>
-            </a:r>
-          </a:p>
-          <a:p>
-            <a:pPr>
-              <a:lnSpc>
-                <a:spcPct val="90000"/>
-              </a:lnSpc>
-              <a:spcBef>
-                <a:spcPts val="600"/>
-              </a:spcBef>
-            </a:pPr>
-            <a:r>
-              <a:rPr lang="en-US" sz="900" dirty="0">
-                <a:solidFill>
-                  <a:srgbClr val="2F2F2F"/>
-                </a:solidFill>
-              </a:rPr>
-              <a:t>Add-in commands are configured in the </a:t>
-            </a:r>
-            <a:r>
-              <a:rPr lang="en-US" sz="900" dirty="0" err="1">
-                <a:solidFill>
-                  <a:srgbClr val="2F2F2F"/>
-                </a:solidFill>
-              </a:rPr>
-              <a:t>VersionOverrides</a:t>
-            </a:r>
-            <a:r>
-              <a:rPr lang="en-US" sz="900" dirty="0">
-                <a:solidFill>
-                  <a:srgbClr val="2F2F2F"/>
-                </a:solidFill>
-              </a:rPr>
-              <a:t> element of an add-in manifest.</a:t>
+              <a:t>Add-in commands provide an easy way to customize the default Office user interface (UI) with specified UI elements that perform actions.</a:t>
             </a:r>
           </a:p>
           <a:p>
@@ -3780,14 +3879,12 @@
                 <a:spcPts val="600"/>
               </a:spcBef>
             </a:pPr>
-            <a:r>
-              <a:rPr lang="en-US" sz="900" dirty="0">
-                <a:solidFill>
-                  <a:srgbClr val="2F2F2F"/>
-                </a:solidFill>
-              </a:rPr>
-              <a:t>Add-in commands can extend existing context menus and ribbon tabs/groups or create entirely new custom ribbon tabs/groups.</a:t>
-            </a:r>
+            <a:endParaRPr lang="en-US" b="1" dirty="0">
+              <a:solidFill>
+                <a:srgbClr val="D83B01"/>
+              </a:solidFill>
+              <a:latin typeface="Segoe UI Semibold"/>
+            </a:endParaRPr>
           </a:p>
           <a:p>
             <a:pPr lvl="0">
@@ -3798,21 +3895,15 @@
                 <a:spcPts val="600"/>
               </a:spcBef>
             </a:pPr>
-            <a:endParaRPr lang="en-US" sz="900" dirty="0">
-              <a:solidFill>
-                <a:srgbClr val="2F2F2F"/>
-              </a:solidFill>
-            </a:endParaRPr>
-          </a:p>
-          <a:p>
-            <a:pPr>
-              <a:lnSpc>
-                <a:spcPct val="90000"/>
-              </a:lnSpc>
-              <a:spcBef>
-                <a:spcPts val="600"/>
-              </a:spcBef>
-            </a:pPr>
+            <a:r>
+              <a:rPr lang="en-US" b="1" dirty="0">
+                <a:solidFill>
+                  <a:srgbClr val="D83B01"/>
+                </a:solidFill>
+                <a:latin typeface="Segoe UI Semibold"/>
+              </a:rPr>
+              <a:t>Add-in commands are configured in the `</a:t>
+            </a:r>
             <a:r>
               <a:rPr lang="en-US" b="1" dirty="0" err="1">
                 <a:solidFill>
@@ -3820,7 +3911,7 @@
                 </a:solidFill>
                 <a:latin typeface="Segoe UI Semibold"/>
               </a:rPr>
-              <a:t>ExtensionPoint</a:t>
+              <a:t>VersionOverrides</a:t>
             </a:r>
             <a:r>
               <a:rPr lang="en-US" b="1" dirty="0">
@@ -3829,23 +3920,8 @@
                 </a:solidFill>
                 <a:latin typeface="Segoe UI Semibold"/>
               </a:rPr>
-              <a:t> </a:t>
-            </a:r>
-            <a:r>
-              <a:rPr lang="en-US" b="1" dirty="0" err="1">
-                <a:solidFill>
-                  <a:srgbClr val="D83B01"/>
-                </a:solidFill>
-                <a:latin typeface="Segoe UI Semibold"/>
-              </a:rPr>
-              <a:t>elemements</a:t>
-            </a:r>
-            <a:endParaRPr lang="en-US" b="1" dirty="0">
-              <a:solidFill>
-                <a:srgbClr val="D83B01"/>
-              </a:solidFill>
-              <a:latin typeface="Segoe UI Semibold"/>
-            </a:endParaRPr>
+              <a:t>` element of an add-in manifest.</a:t>
+            </a:r>
           </a:p>
           <a:p>
             <a:pPr lvl="0">
@@ -3856,91 +3932,12 @@
                 <a:spcPts val="600"/>
               </a:spcBef>
             </a:pPr>
-            <a:r>
-              <a:rPr lang="en-US" sz="900" dirty="0">
-                <a:solidFill>
-                  <a:srgbClr val="2F2F2F"/>
-                </a:solidFill>
-              </a:rPr>
-              <a:t>The </a:t>
-            </a:r>
-            <a:r>
-              <a:rPr lang="en-US" sz="900" dirty="0" err="1">
-                <a:solidFill>
-                  <a:srgbClr val="2F2F2F"/>
-                </a:solidFill>
-              </a:rPr>
-              <a:t>ExtensionPoint</a:t>
-            </a:r>
-            <a:r>
-              <a:rPr lang="en-US" sz="900" dirty="0">
-                <a:solidFill>
-                  <a:srgbClr val="2F2F2F"/>
-                </a:solidFill>
-              </a:rPr>
-              <a:t> element defines where add-in commands should appear in the Office UI, including in the ribbon (both custom and existing tabs) and context menus from right-clicking in the Office UI.</a:t>
-            </a:r>
-          </a:p>
-          <a:p>
-            <a:pPr>
-              <a:lnSpc>
-                <a:spcPct val="90000"/>
-              </a:lnSpc>
-              <a:spcBef>
-                <a:spcPts val="600"/>
-              </a:spcBef>
-            </a:pPr>
-            <a:r>
-              <a:rPr lang="en-US" sz="900" dirty="0">
-                <a:solidFill>
-                  <a:srgbClr val="2F2F2F"/>
-                </a:solidFill>
-              </a:rPr>
-              <a:t>Add-in commands support button and menu controls, where buttons perform a single action and menus provide a submenu of actions.</a:t>
-            </a:r>
-          </a:p>
-          <a:p>
-            <a:pPr>
-              <a:lnSpc>
-                <a:spcPct val="90000"/>
-              </a:lnSpc>
-              <a:spcBef>
-                <a:spcPts val="600"/>
-              </a:spcBef>
-            </a:pPr>
-            <a:r>
-              <a:rPr lang="en-US" sz="900" dirty="0">
-                <a:solidFill>
-                  <a:srgbClr val="2F2F2F"/>
-                </a:solidFill>
-              </a:rPr>
-              <a:t>.</a:t>
-            </a:r>
             <a:endParaRPr lang="en-US" b="1" dirty="0">
               <a:solidFill>
                 <a:srgbClr val="D83B01"/>
               </a:solidFill>
               <a:latin typeface="Segoe UI Semibold"/>
             </a:endParaRPr>
-          </a:p>
-          <a:p>
-            <a:pPr>
-              <a:lnSpc>
-                <a:spcPct val="90000"/>
-              </a:lnSpc>
-              <a:spcBef>
-                <a:spcPts val="600"/>
-              </a:spcBef>
-            </a:pPr>
-            <a:r>
-              <a:rPr lang="en-US" b="1" dirty="0">
-                <a:solidFill>
-                  <a:srgbClr val="D83B01"/>
-                </a:solidFill>
-                <a:latin typeface="Segoe UI Semibold"/>
-              </a:rPr>
-              <a:t>Commands actions</a:t>
-            </a:r>
           </a:p>
           <a:p>
             <a:pPr lvl="0">
@@ -3952,20 +3949,13 @@
               </a:spcBef>
             </a:pPr>
             <a:r>
-              <a:rPr lang="en-US" sz="900" dirty="0" err="1">
-                <a:solidFill>
-                  <a:srgbClr val="2F2F2F"/>
-                </a:solidFill>
-              </a:rPr>
-              <a:t>ShowTaskpane</a:t>
-            </a:r>
-            <a:r>
-              <a:rPr lang="en-US" sz="900" dirty="0">
-                <a:solidFill>
-                  <a:srgbClr val="2F2F2F"/>
-                </a:solidFill>
-              </a:rPr>
-              <a:t> is the most common action for an add-in command. It is used to launch the add-in in a task pane and is part of most Office add-in templates/generators.</a:t>
+              <a:rPr lang="en-US" b="1" dirty="0">
+                <a:solidFill>
+                  <a:srgbClr val="D83B01"/>
+                </a:solidFill>
+                <a:latin typeface="Segoe UI Semibold"/>
+              </a:rPr>
+              <a:t>Add-in commands can extend existing context menus, ribbon tabs and groups, or create new custom ribbon tabs and groups.</a:t>
             </a:r>
           </a:p>
           <a:p>
@@ -3977,38 +3967,355 @@
                 <a:spcPts val="600"/>
               </a:spcBef>
             </a:pPr>
-            <a:r>
-              <a:rPr lang="en-US" sz="900" dirty="0" err="1">
-                <a:solidFill>
-                  <a:srgbClr val="2F2F2F"/>
-                </a:solidFill>
+            <a:endParaRPr lang="en-US" b="1" dirty="0">
+              <a:solidFill>
+                <a:srgbClr val="D83B01"/>
+              </a:solidFill>
+              <a:latin typeface="Segoe UI Semibold"/>
+            </a:endParaRPr>
+          </a:p>
+          <a:p>
+            <a:pPr lvl="0">
+              <a:lnSpc>
+                <a:spcPct val="90000"/>
+              </a:lnSpc>
+              <a:spcBef>
+                <a:spcPts val="600"/>
+              </a:spcBef>
+            </a:pPr>
+            <a:r>
+              <a:rPr lang="en-US" b="1" dirty="0">
+                <a:solidFill>
+                  <a:srgbClr val="D83B01"/>
+                </a:solidFill>
+                <a:latin typeface="Segoe UI Semibold"/>
+              </a:rPr>
+              <a:t>### </a:t>
+            </a:r>
+            <a:r>
+              <a:rPr lang="en-US" b="1" dirty="0" err="1">
+                <a:solidFill>
+                  <a:srgbClr val="D83B01"/>
+                </a:solidFill>
+                <a:latin typeface="Segoe UI Semibold"/>
+              </a:rPr>
+              <a:t>ExtensionPoint</a:t>
+            </a:r>
+            <a:r>
+              <a:rPr lang="en-US" b="1" dirty="0">
+                <a:solidFill>
+                  <a:srgbClr val="D83B01"/>
+                </a:solidFill>
+                <a:latin typeface="Segoe UI Semibold"/>
+              </a:rPr>
+              <a:t> element</a:t>
+            </a:r>
+          </a:p>
+          <a:p>
+            <a:pPr lvl="0">
+              <a:lnSpc>
+                <a:spcPct val="90000"/>
+              </a:lnSpc>
+              <a:spcBef>
+                <a:spcPts val="600"/>
+              </a:spcBef>
+            </a:pPr>
+            <a:endParaRPr lang="en-US" b="1" dirty="0">
+              <a:solidFill>
+                <a:srgbClr val="D83B01"/>
+              </a:solidFill>
+              <a:latin typeface="Segoe UI Semibold"/>
+            </a:endParaRPr>
+          </a:p>
+          <a:p>
+            <a:pPr lvl="0">
+              <a:lnSpc>
+                <a:spcPct val="90000"/>
+              </a:lnSpc>
+              <a:spcBef>
+                <a:spcPts val="600"/>
+              </a:spcBef>
+            </a:pPr>
+            <a:r>
+              <a:rPr lang="en-US" b="1" dirty="0">
+                <a:solidFill>
+                  <a:srgbClr val="D83B01"/>
+                </a:solidFill>
+                <a:latin typeface="Segoe UI Semibold"/>
+              </a:rPr>
+              <a:t>The `</a:t>
+            </a:r>
+            <a:r>
+              <a:rPr lang="en-US" b="1" dirty="0" err="1">
+                <a:solidFill>
+                  <a:srgbClr val="D83B01"/>
+                </a:solidFill>
+                <a:latin typeface="Segoe UI Semibold"/>
+              </a:rPr>
+              <a:t>ExtensionPoint</a:t>
+            </a:r>
+            <a:r>
+              <a:rPr lang="en-US" b="1" dirty="0">
+                <a:solidFill>
+                  <a:srgbClr val="D83B01"/>
+                </a:solidFill>
+                <a:latin typeface="Segoe UI Semibold"/>
+              </a:rPr>
+              <a:t>` element defines where add-in commands should appear in the Office UI, including in an existing ribbon tab (*</a:t>
+            </a:r>
+            <a:r>
+              <a:rPr lang="en-US" b="1" dirty="0" err="1">
+                <a:solidFill>
+                  <a:srgbClr val="D83B01"/>
+                </a:solidFill>
+                <a:latin typeface="Segoe UI Semibold"/>
+              </a:rPr>
+              <a:t>OfficeTab</a:t>
+            </a:r>
+            <a:r>
+              <a:rPr lang="en-US" b="1" dirty="0">
+                <a:solidFill>
+                  <a:srgbClr val="D83B01"/>
+                </a:solidFill>
+                <a:latin typeface="Segoe UI Semibold"/>
+              </a:rPr>
+              <a:t>*), a custom tab (*</a:t>
+            </a:r>
+            <a:r>
+              <a:rPr lang="en-US" b="1" dirty="0" err="1">
+                <a:solidFill>
+                  <a:srgbClr val="D83B01"/>
+                </a:solidFill>
+                <a:latin typeface="Segoe UI Semibold"/>
+              </a:rPr>
+              <a:t>CustomTab</a:t>
+            </a:r>
+            <a:r>
+              <a:rPr lang="en-US" b="1" dirty="0">
+                <a:solidFill>
+                  <a:srgbClr val="D83B01"/>
+                </a:solidFill>
+                <a:latin typeface="Segoe UI Semibold"/>
+              </a:rPr>
+              <a:t>*), or in a context menu available by right-clicking in the Office UI (*</a:t>
+            </a:r>
+            <a:r>
+              <a:rPr lang="en-US" b="1" dirty="0" err="1">
+                <a:solidFill>
+                  <a:srgbClr val="D83B01"/>
+                </a:solidFill>
+                <a:latin typeface="Segoe UI Semibold"/>
+              </a:rPr>
+              <a:t>OfficeMenu</a:t>
+            </a:r>
+            <a:r>
+              <a:rPr lang="en-US" b="1" dirty="0">
+                <a:solidFill>
+                  <a:srgbClr val="D83B01"/>
+                </a:solidFill>
+                <a:latin typeface="Segoe UI Semibold"/>
+              </a:rPr>
+              <a:t>*).</a:t>
+            </a:r>
+          </a:p>
+          <a:p>
+            <a:pPr lvl="0">
+              <a:lnSpc>
+                <a:spcPct val="90000"/>
+              </a:lnSpc>
+              <a:spcBef>
+                <a:spcPts val="600"/>
+              </a:spcBef>
+            </a:pPr>
+            <a:endParaRPr lang="en-US" b="1" dirty="0">
+              <a:solidFill>
+                <a:srgbClr val="D83B01"/>
+              </a:solidFill>
+              <a:latin typeface="Segoe UI Semibold"/>
+            </a:endParaRPr>
+          </a:p>
+          <a:p>
+            <a:pPr lvl="0">
+              <a:lnSpc>
+                <a:spcPct val="90000"/>
+              </a:lnSpc>
+              <a:spcBef>
+                <a:spcPts val="600"/>
+              </a:spcBef>
+            </a:pPr>
+            <a:r>
+              <a:rPr lang="en-US" b="1" dirty="0">
+                <a:solidFill>
+                  <a:srgbClr val="D83B01"/>
+                </a:solidFill>
+                <a:latin typeface="Segoe UI Semibold"/>
+              </a:rPr>
+              <a:t>Add-in commands support button and menu controls. Buttons perform a single action and menus provide a submenu of actions.</a:t>
+            </a:r>
+          </a:p>
+          <a:p>
+            <a:pPr lvl="0">
+              <a:lnSpc>
+                <a:spcPct val="90000"/>
+              </a:lnSpc>
+              <a:spcBef>
+                <a:spcPts val="600"/>
+              </a:spcBef>
+            </a:pPr>
+            <a:endParaRPr lang="en-US" b="1" dirty="0">
+              <a:solidFill>
+                <a:srgbClr val="D83B01"/>
+              </a:solidFill>
+              <a:latin typeface="Segoe UI Semibold"/>
+            </a:endParaRPr>
+          </a:p>
+          <a:p>
+            <a:pPr lvl="0">
+              <a:lnSpc>
+                <a:spcPct val="90000"/>
+              </a:lnSpc>
+              <a:spcBef>
+                <a:spcPts val="600"/>
+              </a:spcBef>
+            </a:pPr>
+            <a:r>
+              <a:rPr lang="en-US" b="1" dirty="0">
+                <a:solidFill>
+                  <a:srgbClr val="D83B01"/>
+                </a:solidFill>
+                <a:latin typeface="Segoe UI Semibold"/>
+              </a:rPr>
+              <a:t>### Commands actions</a:t>
+            </a:r>
+          </a:p>
+          <a:p>
+            <a:pPr lvl="0">
+              <a:lnSpc>
+                <a:spcPct val="90000"/>
+              </a:lnSpc>
+              <a:spcBef>
+                <a:spcPts val="600"/>
+              </a:spcBef>
+            </a:pPr>
+            <a:endParaRPr lang="en-US" b="1" dirty="0">
+              <a:solidFill>
+                <a:srgbClr val="D83B01"/>
+              </a:solidFill>
+              <a:latin typeface="Segoe UI Semibold"/>
+            </a:endParaRPr>
+          </a:p>
+          <a:p>
+            <a:pPr lvl="0">
+              <a:lnSpc>
+                <a:spcPct val="90000"/>
+              </a:lnSpc>
+              <a:spcBef>
+                <a:spcPts val="600"/>
+              </a:spcBef>
+            </a:pPr>
+            <a:r>
+              <a:rPr lang="en-US" b="1" dirty="0">
+                <a:solidFill>
+                  <a:srgbClr val="D83B01"/>
+                </a:solidFill>
+                <a:latin typeface="Segoe UI Semibold"/>
+              </a:rPr>
+              <a:t>The `</a:t>
+            </a:r>
+            <a:r>
+              <a:rPr lang="en-US" b="1" dirty="0" err="1">
+                <a:solidFill>
+                  <a:srgbClr val="D83B01"/>
+                </a:solidFill>
+                <a:latin typeface="Segoe UI Semibold"/>
+              </a:rPr>
+              <a:t>ShowTaskpane</a:t>
+            </a:r>
+            <a:r>
+              <a:rPr lang="en-US" b="1" dirty="0">
+                <a:solidFill>
+                  <a:srgbClr val="D83B01"/>
+                </a:solidFill>
+                <a:latin typeface="Segoe UI Semibold"/>
+              </a:rPr>
+              <a:t>()` action is the most common for an add-in command. It is used to launch the add-in in a task pane. Using an add-in command to launch an add-in is considered a best practice and is incorporated in most Office add-in templates and generators.</a:t>
+            </a:r>
+          </a:p>
+          <a:p>
+            <a:pPr lvl="0">
+              <a:lnSpc>
+                <a:spcPct val="90000"/>
+              </a:lnSpc>
+              <a:spcBef>
+                <a:spcPts val="600"/>
+              </a:spcBef>
+            </a:pPr>
+            <a:endParaRPr lang="en-US" b="1" dirty="0">
+              <a:solidFill>
+                <a:srgbClr val="D83B01"/>
+              </a:solidFill>
+              <a:latin typeface="Segoe UI Semibold"/>
+            </a:endParaRPr>
+          </a:p>
+          <a:p>
+            <a:pPr lvl="0">
+              <a:lnSpc>
+                <a:spcPct val="90000"/>
+              </a:lnSpc>
+              <a:spcBef>
+                <a:spcPts val="600"/>
+              </a:spcBef>
+            </a:pPr>
+            <a:r>
+              <a:rPr lang="en-US" b="1" dirty="0">
+                <a:solidFill>
+                  <a:srgbClr val="D83B01"/>
+                </a:solidFill>
+                <a:latin typeface="Segoe UI Semibold"/>
+              </a:rPr>
+              <a:t>The `</a:t>
+            </a:r>
+            <a:r>
+              <a:rPr lang="en-US" b="1" dirty="0" err="1">
+                <a:solidFill>
+                  <a:srgbClr val="D83B01"/>
+                </a:solidFill>
+                <a:latin typeface="Segoe UI Semibold"/>
               </a:rPr>
               <a:t>ExecuteFunction</a:t>
             </a:r>
             <a:r>
-              <a:rPr lang="en-US" sz="900" dirty="0">
-                <a:solidFill>
-                  <a:srgbClr val="2F2F2F"/>
-                </a:solidFill>
-              </a:rPr>
-              <a:t> is an action that allows an add-in command to execute some script in the background without display any UI. This type of command requires a </a:t>
-            </a:r>
-            <a:r>
-              <a:rPr lang="en-US" sz="900" dirty="0" err="1">
-                <a:solidFill>
-                  <a:srgbClr val="2F2F2F"/>
-                </a:solidFill>
+              <a:rPr lang="en-US" b="1" dirty="0">
+                <a:solidFill>
+                  <a:srgbClr val="D83B01"/>
+                </a:solidFill>
+                <a:latin typeface="Segoe UI Semibold"/>
+              </a:rPr>
+              <a:t>` action allows an add-in command to execute some script in the background without displaying any UI. This type of command requires a `</a:t>
+            </a:r>
+            <a:r>
+              <a:rPr lang="en-US" b="1" dirty="0" err="1">
+                <a:solidFill>
+                  <a:srgbClr val="D83B01"/>
+                </a:solidFill>
+                <a:latin typeface="Segoe UI Semibold"/>
               </a:rPr>
               <a:t>FunctionFile</a:t>
             </a:r>
             <a:r>
-              <a:rPr lang="en-US" sz="900" dirty="0">
-                <a:solidFill>
-                  <a:srgbClr val="2F2F2F"/>
-                </a:solidFill>
-              </a:rPr>
-              <a:t> to be defined in the manifest that points to an HTML/JavaScript file</a:t>
-            </a:r>
+              <a:rPr lang="en-US" b="1" dirty="0">
+                <a:solidFill>
+                  <a:srgbClr val="D83B01"/>
+                </a:solidFill>
+                <a:latin typeface="Segoe UI Semibold"/>
+              </a:rPr>
+              <a:t>` to be defined in the manifest.</a:t>
+            </a:r>
+            <a:endParaRPr lang="en-US" sz="900" dirty="0">
+              <a:solidFill>
+                <a:srgbClr val="2F2F2F"/>
+              </a:solidFill>
+            </a:endParaRPr>
           </a:p>
         </p:txBody>
       </p:sp>
@@ -4207,7 +4514,7 @@
                 <a:tabLst/>
                 <a:defRPr/>
               </a:pPr>
-              <a:t>3/3/20 8:50 PM</a:t>
+              <a:t>4/6/20 12:07 PM</a:t>
             </a:fld>
             <a:endParaRPr kumimoji="0" lang="en-US" sz="1200" b="0" i="0" u="none" strike="noStrike" kern="1200" cap="none" spc="0" normalizeH="0" baseline="0" noProof="0" dirty="0">
               <a:ln>
@@ -4368,43 +4675,25 @@
           <a:p>
             <a:r>
               <a:rPr lang="en-US" dirty="0"/>
-              <a:t>I know this is an eye-chart, but I wanted to highlight how the manifest can be used to extent the Office ribbon.</a:t>
-            </a:r>
-          </a:p>
-          <a:p>
-            <a:pPr marL="171450" indent="-171450">
-              <a:buFont typeface="Arial" panose="020B0604020202020204" pitchFamily="34" charset="0"/>
-              <a:buChar char="•"/>
-            </a:pPr>
-            <a:r>
-              <a:rPr lang="en-US" dirty="0"/>
-              <a:t>The portion of manifest shown defined on </a:t>
-            </a:r>
-            <a:r>
-              <a:rPr lang="en-US" dirty="0" err="1"/>
-              <a:t>ExtentionPoint</a:t>
-            </a:r>
-            <a:r>
-              <a:rPr lang="en-US" dirty="0"/>
-              <a:t> of type </a:t>
-            </a:r>
-            <a:r>
-              <a:rPr lang="en-US" dirty="0" err="1"/>
-              <a:t>PrimaryCommandSurface</a:t>
-            </a:r>
-            <a:r>
-              <a:rPr lang="en-US" dirty="0"/>
-              <a:t>, which means the ribbon.</a:t>
-            </a:r>
-          </a:p>
-          <a:p>
-            <a:pPr marL="171450" indent="-171450">
-              <a:buFont typeface="Arial" panose="020B0604020202020204" pitchFamily="34" charset="0"/>
-              <a:buChar char="•"/>
-            </a:pPr>
-            <a:r>
-              <a:rPr lang="en-US" dirty="0"/>
-              <a:t>Within the </a:t>
+              <a:t>Let's explore how the different elements in the add-in manifest map to the rendered elements in the Excel user experience.</a:t>
+            </a:r>
+          </a:p>
+          <a:p>
+            <a:endParaRPr lang="en-US" dirty="0"/>
+          </a:p>
+          <a:p>
+            <a:r>
+              <a:rPr lang="en-US" dirty="0"/>
+              <a:t>The following image includes contains an image of an Office client application on the left and a condensed version of an add-in manifest file on the right:</a:t>
+            </a:r>
+          </a:p>
+          <a:p>
+            <a:endParaRPr lang="en-US" dirty="0"/>
+          </a:p>
+          <a:p>
+            <a:r>
+              <a:rPr lang="en-US" dirty="0"/>
+              <a:t>The manifest starts with the `</a:t>
             </a:r>
             <a:r>
               <a:rPr lang="en-US" dirty="0" err="1"/>
@@ -4412,43 +4701,59 @@
             </a:r>
             <a:r>
               <a:rPr lang="en-US" dirty="0"/>
-              <a:t> the </a:t>
-            </a:r>
-            <a:r>
-              <a:rPr lang="en-US" dirty="0" err="1"/>
-              <a:t>CustomTab</a:t>
-            </a:r>
-            <a:r>
-              <a:rPr lang="en-US" dirty="0"/>
-              <a:t> element is used, which means the add-in will have it’s own custom tab. To extend an existing tab, the </a:t>
-            </a:r>
-            <a:r>
-              <a:rPr lang="en-US" dirty="0" err="1"/>
-              <a:t>OfficeTab</a:t>
-            </a:r>
-            <a:r>
-              <a:rPr lang="en-US" dirty="0"/>
-              <a:t> element would be used</a:t>
-            </a:r>
-          </a:p>
-          <a:p>
-            <a:pPr marL="171450" indent="-171450">
-              <a:buFont typeface="Arial" panose="020B0604020202020204" pitchFamily="34" charset="0"/>
-              <a:buChar char="•"/>
-            </a:pPr>
-            <a:r>
-              <a:rPr lang="en-US" dirty="0"/>
-              <a:t>The custom tab has one group containing three root controls…two buttons and menu.</a:t>
-            </a:r>
-          </a:p>
-          <a:p>
-            <a:pPr marL="171450" indent="-171450">
-              <a:buFont typeface="Arial" panose="020B0604020202020204" pitchFamily="34" charset="0"/>
-              <a:buChar char="•"/>
-            </a:pPr>
-            <a:r>
-              <a:rPr lang="en-US" dirty="0"/>
-              <a:t>The menu contains two buttons of its own</a:t>
+              <a:t>` element that contains all customizations defined for the Office ribbon:</a:t>
+            </a:r>
+          </a:p>
+          <a:p>
+            <a:endParaRPr lang="en-US" dirty="0"/>
+          </a:p>
+          <a:p>
+            <a:r>
+              <a:rPr lang="en-US" dirty="0"/>
+              <a:t>The entire contents of the `</a:t>
+            </a:r>
+            <a:r>
+              <a:rPr lang="en-US" dirty="0" err="1"/>
+              <a:t>ExtensionPoint</a:t>
+            </a:r>
+            <a:r>
+              <a:rPr lang="en-US" dirty="0"/>
+              <a:t>` element define the custom tab in the ribbon and all buttons in the tab:</a:t>
+            </a:r>
+          </a:p>
+          <a:p>
+            <a:endParaRPr lang="en-US" dirty="0"/>
+          </a:p>
+          <a:p>
+            <a:r>
+              <a:rPr lang="en-US" dirty="0"/>
+              <a:t>Each button in the ribbon is defined using a `Control` element. A control can be different types, defined in the `</a:t>
+            </a:r>
+            <a:r>
+              <a:rPr lang="en-US" dirty="0" err="1"/>
+              <a:t>xsi:type</a:t>
+            </a:r>
+            <a:r>
+              <a:rPr lang="en-US" dirty="0"/>
+              <a:t>` property. All the controls in this ribbon are buttons:</a:t>
+            </a:r>
+          </a:p>
+          <a:p>
+            <a:endParaRPr lang="en-US" dirty="0"/>
+          </a:p>
+          <a:p>
+            <a:r>
+              <a:rPr lang="en-US" dirty="0"/>
+              <a:t>Within a control, developers can actions or items that. An `Action` element is used to perform an action, such as showing a task pane or executing a custom function.</a:t>
+            </a:r>
+          </a:p>
+          <a:p>
+            <a:endParaRPr lang="en-US" dirty="0"/>
+          </a:p>
+          <a:p>
+            <a:r>
+              <a:rPr lang="en-US" dirty="0"/>
+              <a:t>The `Items` collection allows developers to add additional menu items to the ribbon button as shown in the following image. Notice each sub menu item also has a `Action` element as well:</a:t>
             </a:r>
           </a:p>
         </p:txBody>
@@ -4543,7 +4848,7 @@
           <a:p>
             <a:fld id="{D18B56EA-E28F-4F92-9F16-7A6F2501B303}" type="datetime8">
               <a:rPr lang="en-US" smtClean="0"/>
-              <a:t>3/3/20 8:50 PM</a:t>
+              <a:t>4/6/20 1:30 PM</a:t>
             </a:fld>
             <a:endParaRPr lang="en-US" dirty="0"/>
           </a:p>
@@ -4636,7 +4941,7 @@
             </a:pPr>
             <a:r>
               <a:rPr lang="en-US" dirty="0"/>
-              <a:t>I wanted to show an example using an </a:t>
+              <a:t>The `</a:t>
             </a:r>
             <a:r>
               <a:rPr lang="en-US" dirty="0" err="1"/>
@@ -4644,45 +4949,49 @@
             </a:r>
             <a:r>
               <a:rPr lang="en-US" dirty="0"/>
-              <a:t> add-in command. This type of commend has three parts</a:t>
-            </a:r>
-          </a:p>
-          <a:p>
-            <a:pPr marL="228600" indent="-228600">
-              <a:buFont typeface="+mj-lt"/>
-              <a:buAutoNum type="arabicPeriod"/>
+              <a:t>` add-in command action enables developers to create custom functions, defined in JavaScript, to execute when a button is selected in the ribbon.</a:t>
+            </a:r>
+          </a:p>
+          <a:p>
+            <a:pPr marL="0" indent="0">
+              <a:buFont typeface="Arial" panose="020B0604020202020204" pitchFamily="34" charset="0"/>
+              <a:buNone/>
             </a:pPr>
-            <a:r>
-              <a:rPr lang="en-US" dirty="0"/>
-              <a:t>You need a function file, which is an HTML page with a script block. That script block MUST call </a:t>
-            </a:r>
-            <a:r>
-              <a:rPr lang="en-US" dirty="0" err="1"/>
-              <a:t>Office.initialize</a:t>
-            </a:r>
-            <a:r>
-              <a:rPr lang="en-US" dirty="0"/>
-              <a:t> and should globally expose any functions you want to call from a command button.</a:t>
-            </a:r>
-          </a:p>
-          <a:p>
-            <a:pPr marL="228600" indent="-228600">
-              <a:buFont typeface="+mj-lt"/>
-              <a:buAutoNum type="arabicPeriod"/>
+            <a:endParaRPr lang="en-US" dirty="0"/>
+          </a:p>
+          <a:p>
+            <a:pPr marL="0" indent="0">
+              <a:buFont typeface="Arial" panose="020B0604020202020204" pitchFamily="34" charset="0"/>
+              <a:buNone/>
             </a:pPr>
             <a:r>
               <a:rPr lang="en-US" dirty="0"/>
-              <a:t>You need to define that function file in the add-in manifest</a:t>
-            </a:r>
-          </a:p>
-          <a:p>
-            <a:pPr marL="228600" indent="-228600">
-              <a:buFont typeface="+mj-lt"/>
-              <a:buAutoNum type="arabicPeriod"/>
+              <a:t>First, define the function in a script file. For example, add the following code to a new file in your add-in named **</a:t>
+            </a:r>
+            <a:r>
+              <a:rPr lang="en-US" dirty="0" err="1"/>
+              <a:t>fnFile.html</a:t>
+            </a:r>
+            <a:r>
+              <a:rPr lang="en-US" dirty="0"/>
+              <a:t>**:</a:t>
+            </a:r>
+          </a:p>
+          <a:p>
+            <a:pPr marL="0" indent="0">
+              <a:buFont typeface="Arial" panose="020B0604020202020204" pitchFamily="34" charset="0"/>
+              <a:buNone/>
             </a:pPr>
-            <a:r>
-              <a:rPr lang="en-US" dirty="0"/>
-              <a:t>You need button with an action of type </a:t>
+            <a:endParaRPr lang="en-US" dirty="0"/>
+          </a:p>
+          <a:p>
+            <a:pPr marL="0" indent="0">
+              <a:buFont typeface="Arial" panose="020B0604020202020204" pitchFamily="34" charset="0"/>
+              <a:buNone/>
+            </a:pPr>
+            <a:r>
+              <a:rPr lang="en-US" dirty="0"/>
+              <a:t>To call the function, use the `</a:t>
             </a:r>
             <a:r>
               <a:rPr lang="en-US" dirty="0" err="1"/>
@@ -4690,15 +4999,7 @@
             </a:r>
             <a:r>
               <a:rPr lang="en-US" dirty="0"/>
-              <a:t> with a </a:t>
-            </a:r>
-            <a:r>
-              <a:rPr lang="en-US" dirty="0" err="1"/>
-              <a:t>FunctionName</a:t>
-            </a:r>
-            <a:r>
-              <a:rPr lang="en-US" dirty="0"/>
-              <a:t> pointing to the global function you want it to invoke.</a:t>
+              <a:t>` action type in the add-in manifest to call the function when the custom button is selected:</a:t>
             </a:r>
           </a:p>
         </p:txBody>
@@ -4793,7 +5094,7 @@
           <a:p>
             <a:fld id="{D18B56EA-E28F-4F92-9F16-7A6F2501B303}" type="datetime8">
               <a:rPr lang="en-US" smtClean="0"/>
-              <a:t>3/3/20 8:50 PM</a:t>
+              <a:t>4/6/20 1:43 PM</a:t>
             </a:fld>
             <a:endParaRPr lang="en-US" dirty="0"/>
           </a:p>
@@ -5269,7 +5570,7 @@
           <a:p>
             <a:fld id="{D18B56EA-E28F-4F92-9F16-7A6F2501B303}" type="datetime8">
               <a:rPr lang="en-US" smtClean="0"/>
-              <a:t>3/3/20 8:50 PM</a:t>
+              <a:t>4/6/20 11:20 AM</a:t>
             </a:fld>
             <a:endParaRPr lang="en-US" dirty="0"/>
           </a:p>

--- a/OfficeAddin/02 Building Add-ins for Microsoft Excel/02 Worksheets and Add-in Commands in Excel Add-ins.pptx
+++ b/OfficeAddin/02 Building Add-ins for Microsoft Excel/02 Worksheets and Add-in Commands in Excel Add-ins.pptx
@@ -265,7 +265,7 @@
               <a:rPr lang="en-US" smtClean="0">
                 <a:latin typeface="Segoe UI" pitchFamily="34" charset="0"/>
               </a:rPr>
-              <a:t>4/6/20 11:20 AM</a:t>
+              <a:t>6/17/21 10:50 AM</a:t>
             </a:fld>
             <a:endParaRPr lang="en-US" dirty="0">
               <a:latin typeface="Segoe UI" pitchFamily="34" charset="0"/>
@@ -559,7 +559,7 @@
           <a:p>
             <a:fld id="{D18B56EA-E28F-4F92-9F16-7A6F2501B303}" type="datetime8">
               <a:rPr lang="en-US" smtClean="0"/>
-              <a:t>4/6/20 11:20 AM</a:t>
+              <a:t>6/17/21 10:50 AM</a:t>
             </a:fld>
             <a:endParaRPr lang="en-US" dirty="0"/>
           </a:p>
@@ -1047,7 +1047,7 @@
                 <a:tabLst/>
                 <a:defRPr/>
               </a:pPr>
-              <a:t>4/6/20 11:20 AM</a:t>
+              <a:t>6/17/21 10:50 AM</a:t>
             </a:fld>
             <a:endParaRPr kumimoji="0" lang="en-US" sz="1200" b="0" i="0" u="none" strike="noStrike" kern="1200" cap="none" spc="0" normalizeH="0" baseline="0" noProof="0" dirty="0">
               <a:ln>
@@ -1751,7 +1751,7 @@
           <a:p>
             <a:fld id="{D18B56EA-E28F-4F92-9F16-7A6F2501B303}" type="datetime8">
               <a:rPr lang="en-US" smtClean="0"/>
-              <a:t>4/6/20 11:20 AM</a:t>
+              <a:t>6/17/21 10:50 AM</a:t>
             </a:fld>
             <a:endParaRPr lang="en-US" dirty="0"/>
           </a:p>
@@ -1932,7 +1932,7 @@
           <a:p>
             <a:fld id="{D18B56EA-E28F-4F92-9F16-7A6F2501B303}" type="datetime8">
               <a:rPr lang="en-US" smtClean="0"/>
-              <a:t>4/6/20 11:20 AM</a:t>
+              <a:t>6/17/21 10:50 AM</a:t>
             </a:fld>
             <a:endParaRPr lang="en-US" dirty="0"/>
           </a:p>
@@ -2113,7 +2113,7 @@
           <a:p>
             <a:fld id="{D18B56EA-E28F-4F92-9F16-7A6F2501B303}" type="datetime8">
               <a:rPr lang="en-US" smtClean="0"/>
-              <a:t>4/6/20 11:20 AM</a:t>
+              <a:t>6/17/21 10:50 AM</a:t>
             </a:fld>
             <a:endParaRPr lang="en-US" dirty="0"/>
           </a:p>
@@ -2405,7 +2405,7 @@
                 <a:tabLst/>
                 <a:defRPr/>
               </a:pPr>
-              <a:t>4/6/20 11:28 AM</a:t>
+              <a:t>6/17/21 10:50 AM</a:t>
             </a:fld>
             <a:endParaRPr kumimoji="0" lang="en-US" sz="1200" b="0" i="0" u="none" strike="noStrike" kern="1200" cap="none" spc="0" normalizeH="0" baseline="0" noProof="0" dirty="0">
               <a:ln>
@@ -3247,7 +3247,7 @@
                 <a:tabLst/>
                 <a:defRPr/>
               </a:pPr>
-              <a:t>4/6/20 11:37 AM</a:t>
+              <a:t>6/17/21 10:50 AM</a:t>
             </a:fld>
             <a:endParaRPr kumimoji="0" lang="en-US" sz="1200" b="0" i="0" u="none" strike="noStrike" kern="1200" cap="none" spc="0" normalizeH="0" baseline="0" noProof="0" dirty="0">
               <a:ln>
@@ -3543,7 +3543,7 @@
           <a:p>
             <a:fld id="{D18B56EA-E28F-4F92-9F16-7A6F2501B303}" type="datetime8">
               <a:rPr lang="en-US" smtClean="0"/>
-              <a:t>4/6/20 11:20 AM</a:t>
+              <a:t>6/17/21 10:50 AM</a:t>
             </a:fld>
             <a:endParaRPr lang="en-US" dirty="0"/>
           </a:p>
@@ -3765,7 +3765,7 @@
           <a:p>
             <a:fld id="{D18B56EA-E28F-4F92-9F16-7A6F2501B303}" type="datetime8">
               <a:rPr lang="en-US" smtClean="0"/>
-              <a:t>4/6/20 11:20 AM</a:t>
+              <a:t>6/17/21 10:50 AM</a:t>
             </a:fld>
             <a:endParaRPr lang="en-US" dirty="0"/>
           </a:p>
@@ -4514,7 +4514,7 @@
                 <a:tabLst/>
                 <a:defRPr/>
               </a:pPr>
-              <a:t>4/6/20 12:07 PM</a:t>
+              <a:t>6/17/21 10:50 AM</a:t>
             </a:fld>
             <a:endParaRPr kumimoji="0" lang="en-US" sz="1200" b="0" i="0" u="none" strike="noStrike" kern="1200" cap="none" spc="0" normalizeH="0" baseline="0" noProof="0" dirty="0">
               <a:ln>
@@ -4848,7 +4848,7 @@
           <a:p>
             <a:fld id="{D18B56EA-E28F-4F92-9F16-7A6F2501B303}" type="datetime8">
               <a:rPr lang="en-US" smtClean="0"/>
-              <a:t>4/6/20 1:30 PM</a:t>
+              <a:t>6/17/21 10:50 AM</a:t>
             </a:fld>
             <a:endParaRPr lang="en-US" dirty="0"/>
           </a:p>
@@ -5094,7 +5094,7 @@
           <a:p>
             <a:fld id="{D18B56EA-E28F-4F92-9F16-7A6F2501B303}" type="datetime8">
               <a:rPr lang="en-US" smtClean="0"/>
-              <a:t>4/6/20 1:43 PM</a:t>
+              <a:t>6/17/21 10:50 AM</a:t>
             </a:fld>
             <a:endParaRPr lang="en-US" dirty="0"/>
           </a:p>
@@ -5570,7 +5570,7 @@
           <a:p>
             <a:fld id="{D18B56EA-E28F-4F92-9F16-7A6F2501B303}" type="datetime8">
               <a:rPr lang="en-US" smtClean="0"/>
-              <a:t>4/6/20 11:20 AM</a:t>
+              <a:t>6/17/21 10:50 AM</a:t>
             </a:fld>
             <a:endParaRPr lang="en-US" dirty="0"/>
           </a:p>
@@ -16441,7 +16441,45 @@
                 </a:solidFill>
                 <a:latin typeface="Segoe UI Semibold"/>
               </a:rPr>
-              <a:t>Add-in commands are a powerful way to customize the default Office user interface (UI) with custom commands</a:t>
+              <a:t>Add-in commands are a powerful way to customize the default Office user interface </a:t>
+            </a:r>
+            <a:r>
+              <a:rPr lang="en-US" sz="1600" b="0" dirty="0">
+                <a:solidFill>
+                  <a:srgbClr val="2F2F2F"/>
+                </a:solidFill>
+                <a:latin typeface="Segoe UI Symbol" panose="020B0502040204020203" pitchFamily="34" charset="0"/>
+                <a:ea typeface="Segoe UI Symbol" panose="020B0502040204020203" pitchFamily="34" charset="0"/>
+              </a:rPr>
+              <a:t>(</a:t>
+            </a:r>
+            <a:r>
+              <a:rPr lang="en-US" sz="1600" b="0" dirty="0">
+                <a:solidFill>
+                  <a:srgbClr val="2F2F2F"/>
+                </a:solidFill>
+                <a:latin typeface="Segoe UI Semibold"/>
+              </a:rPr>
+              <a:t>UI</a:t>
+            </a:r>
+            <a:r>
+              <a:rPr lang="en-US" sz="1600" b="0" dirty="0">
+                <a:solidFill>
+                  <a:srgbClr val="2F2F2F"/>
+                </a:solidFill>
+                <a:latin typeface="Segoe UI Symbol" panose="020B0502040204020203" pitchFamily="34" charset="0"/>
+                <a:ea typeface="Segoe UI Symbol" panose="020B0502040204020203" pitchFamily="34" charset="0"/>
+              </a:rPr>
+              <a:t>)</a:t>
+            </a:r>
+            <a:r>
+              <a:rPr lang="en-US" sz="1600" b="0" dirty="0">
+                <a:solidFill>
+                  <a:srgbClr val="2F2F2F"/>
+                </a:solidFill>
+                <a:latin typeface="Segoe UI Semibold"/>
+              </a:rPr>
+              <a:t> with custom commands</a:t>
             </a:r>
           </a:p>
           <a:p>
@@ -16458,7 +16496,8 @@
                 <a:solidFill>
                   <a:srgbClr val="2F2F2F"/>
                 </a:solidFill>
-                <a:latin typeface="Segoe UI Semibold"/>
+                <a:latin typeface="Courier New" panose="02070309020205020404" pitchFamily="49" charset="0"/>
+                <a:cs typeface="Courier New" panose="02070309020205020404" pitchFamily="49" charset="0"/>
               </a:rPr>
               <a:t>ExecuteFunction</a:t>
             </a:r>
@@ -17387,7 +17426,7 @@
           <a:p>
             <a:r>
               <a:rPr lang="en-US" sz="2800" dirty="0"/>
-              <a:t>Working with Worksheets and Add-in Commands</a:t>
+              <a:t>Working with Worksheets and add-in Commands</a:t>
             </a:r>
           </a:p>
         </p:txBody>
@@ -17540,7 +17579,7 @@
         <p:spPr>
           <a:xfrm>
             <a:off x="465139" y="1500487"/>
-            <a:ext cx="7130731" cy="4933658"/>
+            <a:ext cx="7130731" cy="5376857"/>
           </a:xfrm>
           <a:prstGeom prst="rect">
             <a:avLst/>
@@ -17819,13 +17858,33 @@
                   <a:srgbClr val="2F2F2F"/>
                 </a:solidFill>
               </a:rPr>
-              <a:t>A workbook is a property of the Excel Add-in context (ex: </a:t>
+              <a:t>A workbook is a property of the Excel add-in context </a:t>
+            </a:r>
+            <a:r>
+              <a:rPr lang="en-US" sz="1600" dirty="0">
+                <a:solidFill>
+                  <a:srgbClr val="2F2F2F"/>
+                </a:solidFill>
+                <a:latin typeface="Segoe UI Symbol" panose="020B0502040204020203" pitchFamily="34" charset="0"/>
+                <a:ea typeface="Segoe UI Symbol" panose="020B0502040204020203" pitchFamily="34" charset="0"/>
+              </a:rPr>
+              <a:t>(</a:t>
+            </a:r>
+            <a:r>
+              <a:rPr lang="en-US" sz="1600" dirty="0">
+                <a:solidFill>
+                  <a:srgbClr val="2F2F2F"/>
+                </a:solidFill>
+              </a:rPr>
+              <a:t>ex: </a:t>
             </a:r>
             <a:r>
               <a:rPr lang="en-US" sz="1600" dirty="0" err="1">
                 <a:solidFill>
                   <a:srgbClr val="2F2F2F"/>
                 </a:solidFill>
+                <a:latin typeface="Courier New" panose="02070309020205020404" pitchFamily="49" charset="0"/>
+                <a:cs typeface="Courier New" panose="02070309020205020404" pitchFamily="49" charset="0"/>
               </a:rPr>
               <a:t>context.workbook</a:t>
             </a:r>
@@ -17834,8 +17893,18 @@
                 <a:solidFill>
                   <a:srgbClr val="2F2F2F"/>
                 </a:solidFill>
-              </a:rPr>
-              <a:t>) and contains a collection of worksheets.</a:t>
+                <a:latin typeface="Segoe UI Symbol" panose="020B0502040204020203" pitchFamily="34" charset="0"/>
+                <a:ea typeface="Segoe UI Symbol" panose="020B0502040204020203" pitchFamily="34" charset="0"/>
+              </a:rPr>
+              <a:t>)</a:t>
+            </a:r>
+            <a:r>
+              <a:rPr lang="en-US" sz="1600" dirty="0">
+                <a:solidFill>
+                  <a:srgbClr val="2F2F2F"/>
+                </a:solidFill>
+              </a:rPr>
+              <a:t> and contains a collection of worksheets.</a:t>
             </a:r>
           </a:p>
           <a:p>
@@ -17921,7 +17990,7 @@
                   <a:srgbClr val="2F2F2F"/>
                 </a:solidFill>
               </a:rPr>
-              <a:t>Interacting with worksheets is a fundamental operation of building an Excel Add-in.</a:t>
+              <a:t>Interacting with worksheets is a fundamental operation of building an Excel add-in.</a:t>
             </a:r>
           </a:p>
           <a:p>
@@ -17939,7 +18008,7 @@
                   <a:srgbClr val="2F2F2F"/>
                 </a:solidFill>
               </a:rPr>
-              <a:t>You can iterate worksheets in a workbook object or you can select specific worksheets based on name/id or being active.</a:t>
+              <a:t>You can iterate worksheets in a workbook object or you can select specific worksheets based on name/ID or being active.</a:t>
             </a:r>
           </a:p>
           <a:p>
@@ -17964,6 +18033,8 @@
                 <a:solidFill>
                   <a:srgbClr val="2F2F2F"/>
                 </a:solidFill>
+                <a:latin typeface="Courier New" panose="02070309020205020404" pitchFamily="49" charset="0"/>
+                <a:cs typeface="Courier New" panose="02070309020205020404" pitchFamily="49" charset="0"/>
               </a:rPr>
               <a:t>workbook.worksheets.add</a:t>
             </a:r>
@@ -17972,8 +18043,19 @@
                 <a:solidFill>
                   <a:srgbClr val="2F2F2F"/>
                 </a:solidFill>
-              </a:rPr>
-              <a:t>() function.</a:t>
+                <a:latin typeface="Courier New" panose="02070309020205020404" pitchFamily="49" charset="0"/>
+                <a:ea typeface="Segoe UI Symbol" panose="020B0502040204020203" pitchFamily="34" charset="0"/>
+                <a:cs typeface="Courier New" panose="02070309020205020404" pitchFamily="49" charset="0"/>
+              </a:rPr>
+              <a:t>()</a:t>
+            </a:r>
+            <a:r>
+              <a:rPr lang="en-US" sz="1600" dirty="0">
+                <a:solidFill>
+                  <a:srgbClr val="2F2F2F"/>
+                </a:solidFill>
+              </a:rPr>
+              <a:t> function.</a:t>
             </a:r>
           </a:p>
           <a:p>
@@ -18032,6 +18114,8 @@
                 <a:solidFill>
                   <a:srgbClr val="2F2F2F"/>
                 </a:solidFill>
+                <a:latin typeface="Courier New" panose="02070309020205020404" pitchFamily="49" charset="0"/>
+                <a:cs typeface="Courier New" panose="02070309020205020404" pitchFamily="49" charset="0"/>
               </a:rPr>
               <a:t>onActivated</a:t>
             </a:r>
@@ -18048,6 +18132,8 @@
                 <a:solidFill>
                   <a:srgbClr val="2F2F2F"/>
                 </a:solidFill>
+                <a:latin typeface="Courier New" panose="02070309020205020404" pitchFamily="49" charset="0"/>
+                <a:cs typeface="Courier New" panose="02070309020205020404" pitchFamily="49" charset="0"/>
               </a:rPr>
               <a:t>onAdded</a:t>
             </a:r>
@@ -18064,6 +18150,8 @@
                 <a:solidFill>
                   <a:srgbClr val="2F2F2F"/>
                 </a:solidFill>
+                <a:latin typeface="Courier New" panose="02070309020205020404" pitchFamily="49" charset="0"/>
+                <a:cs typeface="Courier New" panose="02070309020205020404" pitchFamily="49" charset="0"/>
               </a:rPr>
               <a:t>onDeactivated</a:t>
             </a:r>
@@ -18080,6 +18168,8 @@
                 <a:solidFill>
                   <a:srgbClr val="2F2F2F"/>
                 </a:solidFill>
+                <a:latin typeface="Courier New" panose="02070309020205020404" pitchFamily="49" charset="0"/>
+                <a:cs typeface="Courier New" panose="02070309020205020404" pitchFamily="49" charset="0"/>
               </a:rPr>
               <a:t>onDeleted</a:t>
             </a:r>
@@ -21104,7 +21194,7 @@
         <p:spPr>
           <a:xfrm>
             <a:off x="465139" y="1500487"/>
-            <a:ext cx="11533186" cy="4391972"/>
+            <a:ext cx="11533186" cy="4779770"/>
           </a:xfrm>
           <a:prstGeom prst="rect">
             <a:avLst/>
@@ -21365,7 +21455,43 @@
                   <a:srgbClr val="2F2F2F"/>
                 </a:solidFill>
               </a:rPr>
-              <a:t>Add-in commands provide an easy way to customize the default Office user interface (UI) with specified UI elements that perform actions. </a:t>
+              <a:t>Add-in commands provide an easy way to customize the default Office user interface </a:t>
+            </a:r>
+            <a:r>
+              <a:rPr lang="en-US" sz="1600" dirty="0">
+                <a:solidFill>
+                  <a:srgbClr val="2F2F2F"/>
+                </a:solidFill>
+                <a:latin typeface="Segoe UI Symbol" panose="020B0502040204020203" pitchFamily="34" charset="0"/>
+                <a:ea typeface="Segoe UI Symbol" panose="020B0502040204020203" pitchFamily="34" charset="0"/>
+              </a:rPr>
+              <a:t>(</a:t>
+            </a:r>
+            <a:r>
+              <a:rPr lang="en-US" sz="1600" dirty="0">
+                <a:solidFill>
+                  <a:srgbClr val="2F2F2F"/>
+                </a:solidFill>
+              </a:rPr>
+              <a:t>UI</a:t>
+            </a:r>
+            <a:r>
+              <a:rPr lang="en-US" sz="1600" dirty="0">
+                <a:solidFill>
+                  <a:srgbClr val="2F2F2F"/>
+                </a:solidFill>
+                <a:latin typeface="Segoe UI Symbol" panose="020B0502040204020203" pitchFamily="34" charset="0"/>
+                <a:ea typeface="Segoe UI Symbol" panose="020B0502040204020203" pitchFamily="34" charset="0"/>
+              </a:rPr>
+              <a:t>)</a:t>
+            </a:r>
+            <a:r>
+              <a:rPr lang="en-US" sz="1600" dirty="0">
+                <a:solidFill>
+                  <a:srgbClr val="2F2F2F"/>
+                </a:solidFill>
+              </a:rPr>
+              <a:t> with specified UI elements that perform actions. </a:t>
             </a:r>
           </a:p>
           <a:p>
@@ -21390,6 +21516,8 @@
                 <a:solidFill>
                   <a:srgbClr val="2F2F2F"/>
                 </a:solidFill>
+                <a:latin typeface="Courier New" panose="02070309020205020404" pitchFamily="49" charset="0"/>
+                <a:cs typeface="Courier New" panose="02070309020205020404" pitchFamily="49" charset="0"/>
               </a:rPr>
               <a:t>VersionOverrides</a:t>
             </a:r>
@@ -21399,7 +21527,7 @@
                   <a:srgbClr val="2F2F2F"/>
                 </a:solidFill>
               </a:rPr>
-              <a:t> element of an Add-in manifest.</a:t>
+              <a:t> element of an add-in manifest.</a:t>
             </a:r>
           </a:p>
           <a:p>
@@ -21485,6 +21613,8 @@
                 <a:solidFill>
                   <a:srgbClr val="2F2F2F"/>
                 </a:solidFill>
+                <a:latin typeface="Courier New" panose="02070309020205020404" pitchFamily="49" charset="0"/>
+                <a:cs typeface="Courier New" panose="02070309020205020404" pitchFamily="49" charset="0"/>
               </a:rPr>
               <a:t>ExtensionPoint</a:t>
             </a:r>
@@ -21494,13 +21624,25 @@
                   <a:srgbClr val="2F2F2F"/>
                 </a:solidFill>
               </a:rPr>
-              <a:t> element defines where Add-in commands should appear in the Office UI, including in an existing ribbon tab (</a:t>
+              <a:t> element defines where add-in commands should appear in the Office UI, including in an existing ribbon tab </a:t>
+            </a:r>
+            <a:r>
+              <a:rPr lang="en-US" sz="1600" dirty="0">
+                <a:solidFill>
+                  <a:srgbClr val="2F2F2F"/>
+                </a:solidFill>
+                <a:latin typeface="Segoe UI Symbol" panose="020B0502040204020203" pitchFamily="34" charset="0"/>
+                <a:ea typeface="Segoe UI Symbol" panose="020B0502040204020203" pitchFamily="34" charset="0"/>
+              </a:rPr>
+              <a:t>(</a:t>
             </a:r>
             <a:r>
               <a:rPr lang="en-US" sz="1600" dirty="0" err="1">
                 <a:solidFill>
                   <a:srgbClr val="2F2F2F"/>
                 </a:solidFill>
+                <a:latin typeface="Courier New" panose="02070309020205020404" pitchFamily="49" charset="0"/>
+                <a:cs typeface="Courier New" panose="02070309020205020404" pitchFamily="49" charset="0"/>
               </a:rPr>
               <a:t>OfficeTab</a:t>
             </a:r>
@@ -21509,14 +21651,36 @@
                 <a:solidFill>
                   <a:srgbClr val="2F2F2F"/>
                 </a:solidFill>
-              </a:rPr>
-              <a:t>), a custom tab (</a:t>
+                <a:latin typeface="Segoe UI Symbol" panose="020B0502040204020203" pitchFamily="34" charset="0"/>
+                <a:ea typeface="Segoe UI Symbol" panose="020B0502040204020203" pitchFamily="34" charset="0"/>
+              </a:rPr>
+              <a:t>)</a:t>
+            </a:r>
+            <a:r>
+              <a:rPr lang="en-US" sz="1600" dirty="0">
+                <a:solidFill>
+                  <a:srgbClr val="2F2F2F"/>
+                </a:solidFill>
+              </a:rPr>
+              <a:t>, a custom tab </a:t>
+            </a:r>
+            <a:r>
+              <a:rPr lang="en-US" sz="1600" dirty="0">
+                <a:solidFill>
+                  <a:srgbClr val="2F2F2F"/>
+                </a:solidFill>
+                <a:latin typeface="Segoe UI Symbol" panose="020B0502040204020203" pitchFamily="34" charset="0"/>
+                <a:ea typeface="Segoe UI Symbol" panose="020B0502040204020203" pitchFamily="34" charset="0"/>
+              </a:rPr>
+              <a:t>(</a:t>
             </a:r>
             <a:r>
               <a:rPr lang="en-US" sz="1600" dirty="0" err="1">
                 <a:solidFill>
                   <a:srgbClr val="2F2F2F"/>
                 </a:solidFill>
+                <a:latin typeface="Courier New" panose="02070309020205020404" pitchFamily="49" charset="0"/>
+                <a:cs typeface="Courier New" panose="02070309020205020404" pitchFamily="49" charset="0"/>
               </a:rPr>
               <a:t>CustomTab</a:t>
             </a:r>
@@ -21525,14 +21689,36 @@
                 <a:solidFill>
                   <a:srgbClr val="2F2F2F"/>
                 </a:solidFill>
-              </a:rPr>
-              <a:t>), or in a context menu from right-clicking in the Office UI (</a:t>
+                <a:latin typeface="Segoe UI Symbol" panose="020B0502040204020203" pitchFamily="34" charset="0"/>
+                <a:ea typeface="Segoe UI Symbol" panose="020B0502040204020203" pitchFamily="34" charset="0"/>
+              </a:rPr>
+              <a:t>)</a:t>
+            </a:r>
+            <a:r>
+              <a:rPr lang="en-US" sz="1600" dirty="0">
+                <a:solidFill>
+                  <a:srgbClr val="2F2F2F"/>
+                </a:solidFill>
+              </a:rPr>
+              <a:t>, or in a context menu from right-clicking in the Office UI </a:t>
+            </a:r>
+            <a:r>
+              <a:rPr lang="en-US" sz="1600" dirty="0">
+                <a:solidFill>
+                  <a:srgbClr val="2F2F2F"/>
+                </a:solidFill>
+                <a:latin typeface="Segoe UI Symbol" panose="020B0502040204020203" pitchFamily="34" charset="0"/>
+                <a:ea typeface="Segoe UI Symbol" panose="020B0502040204020203" pitchFamily="34" charset="0"/>
+              </a:rPr>
+              <a:t>(</a:t>
             </a:r>
             <a:r>
               <a:rPr lang="en-US" sz="1600" dirty="0" err="1">
                 <a:solidFill>
                   <a:srgbClr val="2F2F2F"/>
                 </a:solidFill>
+                <a:latin typeface="Courier New" panose="02070309020205020404" pitchFamily="49" charset="0"/>
+                <a:cs typeface="Courier New" panose="02070309020205020404" pitchFamily="49" charset="0"/>
               </a:rPr>
               <a:t>OfficeMenu</a:t>
             </a:r>
@@ -21541,8 +21727,18 @@
                 <a:solidFill>
                   <a:srgbClr val="2F2F2F"/>
                 </a:solidFill>
-              </a:rPr>
-              <a:t>).</a:t>
+                <a:latin typeface="Segoe UI Symbol" panose="020B0502040204020203" pitchFamily="34" charset="0"/>
+                <a:ea typeface="Segoe UI Symbol" panose="020B0502040204020203" pitchFamily="34" charset="0"/>
+              </a:rPr>
+              <a:t>)</a:t>
+            </a:r>
+            <a:r>
+              <a:rPr lang="en-US" sz="1600" dirty="0">
+                <a:solidFill>
+                  <a:srgbClr val="2F2F2F"/>
+                </a:solidFill>
+              </a:rPr>
+              <a:t>.</a:t>
             </a:r>
           </a:p>
           <a:p>
@@ -21611,6 +21807,8 @@
                 <a:solidFill>
                   <a:srgbClr val="2F2F2F"/>
                 </a:solidFill>
+                <a:latin typeface="Courier New" panose="02070309020205020404" pitchFamily="49" charset="0"/>
+                <a:cs typeface="Courier New" panose="02070309020205020404" pitchFamily="49" charset="0"/>
               </a:rPr>
               <a:t>ShowTaskpane</a:t>
             </a:r>
@@ -21620,7 +21818,7 @@
                   <a:srgbClr val="2F2F2F"/>
                 </a:solidFill>
               </a:rPr>
-              <a:t> is the most common action for an add-in command. It is used to launch the Add-in in a task pane. Using an add-in command to launch an Add-in is considered a best practice and is incorporated in most Office Add-in templates/generators.</a:t>
+              <a:t> is the most common action for an add-in command. It is used to launch the add-in in a task pane. Using an add-in command to launch an add-in is considered a best practice and is incorporated in most Office Add-in templates/generators.</a:t>
             </a:r>
           </a:p>
           <a:p>
@@ -21637,6 +21835,8 @@
                 <a:solidFill>
                   <a:srgbClr val="2F2F2F"/>
                 </a:solidFill>
+                <a:latin typeface="Courier New" panose="02070309020205020404" pitchFamily="49" charset="0"/>
+                <a:cs typeface="Courier New" panose="02070309020205020404" pitchFamily="49" charset="0"/>
               </a:rPr>
               <a:t>ExecuteFunction</a:t>
             </a:r>
@@ -21653,6 +21853,8 @@
                 <a:solidFill>
                   <a:srgbClr val="2F2F2F"/>
                 </a:solidFill>
+                <a:latin typeface="Courier New" panose="02070309020205020404" pitchFamily="49" charset="0"/>
+                <a:cs typeface="Courier New" panose="02070309020205020404" pitchFamily="49" charset="0"/>
               </a:rPr>
               <a:t>FunctionFile</a:t>
             </a:r>
@@ -26512,7 +26714,10 @@
           <a:lstStyle/>
           <a:p>
             <a:r>
-              <a:rPr lang="en-US" dirty="0" err="1"/>
+              <a:rPr lang="en-US" dirty="0" err="1">
+                <a:latin typeface="Courier New" panose="02070309020205020404" pitchFamily="49" charset="0"/>
+                <a:cs typeface="Courier New" panose="02070309020205020404" pitchFamily="49" charset="0"/>
+              </a:rPr>
               <a:t>ExecuteFunction</a:t>
             </a:r>
             <a:r>
